--- a/Library/ppt/국어 수행평가.pptx
+++ b/Library/ppt/국어 수행평가.pptx
@@ -6,7 +6,11 @@
   </p:sldMasterIdLst>
   <p:sldIdLst>
     <p:sldId id="256" r:id="rId2"/>
-    <p:sldId id="258" r:id="rId3"/>
+    <p:sldId id="260" r:id="rId3"/>
+    <p:sldId id="261" r:id="rId4"/>
+    <p:sldId id="259" r:id="rId5"/>
+    <p:sldId id="262" r:id="rId6"/>
+    <p:sldId id="263" r:id="rId7"/>
   </p:sldIdLst>
   <p:sldSz cx="12192000" cy="6858000"/>
   <p:notesSz cx="6858000" cy="9144000"/>
@@ -260,7 +264,7 @@
           <a:p>
             <a:fld id="{25B672E5-542C-4688-88FB-2C67F06CA555}" type="datetimeFigureOut">
               <a:rPr lang="ko-KR" altLang="en-US" smtClean="0"/>
-              <a:t>2023-04-24</a:t>
+              <a:t>2023-05-02</a:t>
             </a:fld>
             <a:endParaRPr lang="ko-KR" altLang="en-US"/>
           </a:p>
@@ -458,7 +462,7 @@
           <a:p>
             <a:fld id="{25B672E5-542C-4688-88FB-2C67F06CA555}" type="datetimeFigureOut">
               <a:rPr lang="ko-KR" altLang="en-US" smtClean="0"/>
-              <a:t>2023-04-24</a:t>
+              <a:t>2023-05-02</a:t>
             </a:fld>
             <a:endParaRPr lang="ko-KR" altLang="en-US"/>
           </a:p>
@@ -666,7 +670,7 @@
           <a:p>
             <a:fld id="{25B672E5-542C-4688-88FB-2C67F06CA555}" type="datetimeFigureOut">
               <a:rPr lang="ko-KR" altLang="en-US" smtClean="0"/>
-              <a:t>2023-04-24</a:t>
+              <a:t>2023-05-02</a:t>
             </a:fld>
             <a:endParaRPr lang="ko-KR" altLang="en-US"/>
           </a:p>
@@ -864,7 +868,7 @@
           <a:p>
             <a:fld id="{25B672E5-542C-4688-88FB-2C67F06CA555}" type="datetimeFigureOut">
               <a:rPr lang="ko-KR" altLang="en-US" smtClean="0"/>
-              <a:t>2023-04-24</a:t>
+              <a:t>2023-05-02</a:t>
             </a:fld>
             <a:endParaRPr lang="ko-KR" altLang="en-US"/>
           </a:p>
@@ -1139,7 +1143,7 @@
           <a:p>
             <a:fld id="{25B672E5-542C-4688-88FB-2C67F06CA555}" type="datetimeFigureOut">
               <a:rPr lang="ko-KR" altLang="en-US" smtClean="0"/>
-              <a:t>2023-04-24</a:t>
+              <a:t>2023-05-02</a:t>
             </a:fld>
             <a:endParaRPr lang="ko-KR" altLang="en-US"/>
           </a:p>
@@ -1404,7 +1408,7 @@
           <a:p>
             <a:fld id="{25B672E5-542C-4688-88FB-2C67F06CA555}" type="datetimeFigureOut">
               <a:rPr lang="ko-KR" altLang="en-US" smtClean="0"/>
-              <a:t>2023-04-24</a:t>
+              <a:t>2023-05-02</a:t>
             </a:fld>
             <a:endParaRPr lang="ko-KR" altLang="en-US"/>
           </a:p>
@@ -1816,7 +1820,7 @@
           <a:p>
             <a:fld id="{25B672E5-542C-4688-88FB-2C67F06CA555}" type="datetimeFigureOut">
               <a:rPr lang="ko-KR" altLang="en-US" smtClean="0"/>
-              <a:t>2023-04-24</a:t>
+              <a:t>2023-05-02</a:t>
             </a:fld>
             <a:endParaRPr lang="ko-KR" altLang="en-US"/>
           </a:p>
@@ -1957,7 +1961,7 @@
           <a:p>
             <a:fld id="{25B672E5-542C-4688-88FB-2C67F06CA555}" type="datetimeFigureOut">
               <a:rPr lang="ko-KR" altLang="en-US" smtClean="0"/>
-              <a:t>2023-04-24</a:t>
+              <a:t>2023-05-02</a:t>
             </a:fld>
             <a:endParaRPr lang="ko-KR" altLang="en-US"/>
           </a:p>
@@ -2070,7 +2074,7 @@
           <a:p>
             <a:fld id="{25B672E5-542C-4688-88FB-2C67F06CA555}" type="datetimeFigureOut">
               <a:rPr lang="ko-KR" altLang="en-US" smtClean="0"/>
-              <a:t>2023-04-24</a:t>
+              <a:t>2023-05-02</a:t>
             </a:fld>
             <a:endParaRPr lang="ko-KR" altLang="en-US"/>
           </a:p>
@@ -2381,7 +2385,7 @@
           <a:p>
             <a:fld id="{25B672E5-542C-4688-88FB-2C67F06CA555}" type="datetimeFigureOut">
               <a:rPr lang="ko-KR" altLang="en-US" smtClean="0"/>
-              <a:t>2023-04-24</a:t>
+              <a:t>2023-05-02</a:t>
             </a:fld>
             <a:endParaRPr lang="ko-KR" altLang="en-US"/>
           </a:p>
@@ -2669,7 +2673,7 @@
           <a:p>
             <a:fld id="{25B672E5-542C-4688-88FB-2C67F06CA555}" type="datetimeFigureOut">
               <a:rPr lang="ko-KR" altLang="en-US" smtClean="0"/>
-              <a:t>2023-04-24</a:t>
+              <a:t>2023-05-02</a:t>
             </a:fld>
             <a:endParaRPr lang="ko-KR" altLang="en-US"/>
           </a:p>
@@ -2910,7 +2914,7 @@
           <a:p>
             <a:fld id="{25B672E5-542C-4688-88FB-2C67F06CA555}" type="datetimeFigureOut">
               <a:rPr lang="ko-KR" altLang="en-US" smtClean="0"/>
-              <a:t>2023-04-24</a:t>
+              <a:t>2023-05-02</a:t>
             </a:fld>
             <a:endParaRPr lang="ko-KR" altLang="en-US"/>
           </a:p>
@@ -3532,6 +3536,100 @@
           </a:effectLst>
         </p:spPr>
       </p:pic>
+      <p:pic>
+        <p:nvPicPr>
+          <p:cNvPr id="6" name="그림 5">
+            <a:extLst>
+              <a:ext uri="{FF2B5EF4-FFF2-40B4-BE49-F238E27FC236}">
+                <a16:creationId xmlns:a16="http://schemas.microsoft.com/office/drawing/2014/main" id="{7A4C7544-0CA1-4287-8091-631615F9C558}"/>
+              </a:ext>
+            </a:extLst>
+          </p:cNvPr>
+          <p:cNvPicPr>
+            <a:picLocks noChangeAspect="1"/>
+          </p:cNvPicPr>
+          <p:nvPr/>
+        </p:nvPicPr>
+        <p:blipFill>
+          <a:blip r:embed="rId3">
+            <a:extLst>
+              <a:ext uri="{28A0092B-C50C-407E-A947-70E740481C1C}">
+                <a14:useLocalDpi xmlns:a14="http://schemas.microsoft.com/office/drawing/2010/main" val="0"/>
+              </a:ext>
+            </a:extLst>
+          </a:blip>
+          <a:stretch>
+            <a:fillRect/>
+          </a:stretch>
+        </p:blipFill>
+        <p:spPr>
+          <a:xfrm>
+            <a:off x="10828699" y="5788419"/>
+            <a:ext cx="1363301" cy="1069581"/>
+          </a:xfrm>
+          <a:prstGeom prst="rect">
+            <a:avLst/>
+          </a:prstGeom>
+        </p:spPr>
+      </p:pic>
+      <p:sp>
+        <p:nvSpPr>
+          <p:cNvPr id="10" name="TextBox 9">
+            <a:extLst>
+              <a:ext uri="{FF2B5EF4-FFF2-40B4-BE49-F238E27FC236}">
+                <a16:creationId xmlns:a16="http://schemas.microsoft.com/office/drawing/2014/main" id="{C2257413-BA7E-4F95-851A-8319EC1138DD}"/>
+              </a:ext>
+            </a:extLst>
+          </p:cNvPr>
+          <p:cNvSpPr txBox="1"/>
+          <p:nvPr/>
+        </p:nvSpPr>
+        <p:spPr>
+          <a:xfrm>
+            <a:off x="4999384" y="679377"/>
+            <a:ext cx="2193229" cy="830997"/>
+          </a:xfrm>
+          <a:prstGeom prst="rect">
+            <a:avLst/>
+          </a:prstGeom>
+          <a:noFill/>
+          <a:effectLst>
+            <a:outerShdw blurRad="50800" dist="38100" dir="2700000" algn="tl" rotWithShape="0">
+              <a:prstClr val="black">
+                <a:alpha val="40000"/>
+              </a:prstClr>
+            </a:outerShdw>
+          </a:effectLst>
+        </p:spPr>
+        <p:txBody>
+          <a:bodyPr wrap="square" rtlCol="0">
+            <a:spAutoFit/>
+          </a:bodyPr>
+          <a:lstStyle/>
+          <a:p>
+            <a:pPr algn="ctr"/>
+            <a:r>
+              <a:rPr lang="en-US" altLang="ko-KR" sz="4800" spc="300">
+                <a:solidFill>
+                  <a:schemeClr val="bg1"/>
+                </a:solidFill>
+                <a:latin typeface="Wilderness Typeface" panose="00000500000000000000" pitchFamily="2" charset="0"/>
+                <a:ea typeface="Pretendard Black" panose="02000A03000000020004" pitchFamily="50" charset="-127"/>
+                <a:cs typeface="Pretendard Black" panose="02000A03000000020004" pitchFamily="50" charset="-127"/>
+              </a:rPr>
+              <a:t>Kim Taehoi </a:t>
+            </a:r>
+            <a:endParaRPr lang="ko-KR" altLang="en-US" sz="4800" spc="300">
+              <a:solidFill>
+                <a:schemeClr val="bg1"/>
+              </a:solidFill>
+              <a:latin typeface="Wilderness Typeface" panose="00000500000000000000" pitchFamily="2" charset="0"/>
+              <a:ea typeface="Pretendard Black" panose="02000A03000000020004" pitchFamily="50" charset="-127"/>
+              <a:cs typeface="Pretendard Black" panose="02000A03000000020004" pitchFamily="50" charset="-127"/>
+            </a:endParaRPr>
+          </a:p>
+        </p:txBody>
+      </p:sp>
     </p:spTree>
     <p:extLst>
       <p:ext uri="{BB962C8B-B14F-4D97-AF65-F5344CB8AC3E}">
@@ -3572,6 +3670,566 @@
       </p:grpSpPr>
       <p:sp>
         <p:nvSpPr>
+          <p:cNvPr id="12" name="TextBox 11">
+            <a:extLst>
+              <a:ext uri="{FF2B5EF4-FFF2-40B4-BE49-F238E27FC236}">
+                <a16:creationId xmlns:a16="http://schemas.microsoft.com/office/drawing/2014/main" id="{0E2CCDAC-0195-4DB6-9E15-5B5EE874B69E}"/>
+              </a:ext>
+            </a:extLst>
+          </p:cNvPr>
+          <p:cNvSpPr txBox="1"/>
+          <p:nvPr/>
+        </p:nvSpPr>
+        <p:spPr>
+          <a:xfrm>
+            <a:off x="666751" y="666751"/>
+            <a:ext cx="5328703" cy="1015663"/>
+          </a:xfrm>
+          <a:prstGeom prst="rect">
+            <a:avLst/>
+          </a:prstGeom>
+          <a:noFill/>
+          <a:effectLst>
+            <a:outerShdw blurRad="50800" dist="38100" dir="2700000" algn="tl" rotWithShape="0">
+              <a:prstClr val="black">
+                <a:alpha val="40000"/>
+              </a:prstClr>
+            </a:outerShdw>
+          </a:effectLst>
+        </p:spPr>
+        <p:txBody>
+          <a:bodyPr wrap="none" rtlCol="0">
+            <a:spAutoFit/>
+          </a:bodyPr>
+          <a:lstStyle/>
+          <a:p>
+            <a:r>
+              <a:rPr lang="ko-KR" altLang="en-US" sz="6000" spc="-300">
+                <a:solidFill>
+                  <a:schemeClr val="bg1"/>
+                </a:solidFill>
+                <a:latin typeface="Pretendard Black" panose="02000A03000000020004" pitchFamily="50" charset="-127"/>
+                <a:ea typeface="Pretendard Black" panose="02000A03000000020004" pitchFamily="50" charset="-127"/>
+                <a:cs typeface="Pretendard Black" panose="02000A03000000020004" pitchFamily="50" charset="-127"/>
+              </a:rPr>
+              <a:t>김태회는 누구인가</a:t>
+            </a:r>
+          </a:p>
+        </p:txBody>
+      </p:sp>
+      <p:sp>
+        <p:nvSpPr>
+          <p:cNvPr id="9" name="TextBox 8">
+            <a:extLst>
+              <a:ext uri="{FF2B5EF4-FFF2-40B4-BE49-F238E27FC236}">
+                <a16:creationId xmlns:a16="http://schemas.microsoft.com/office/drawing/2014/main" id="{5399B7E9-88DD-4888-9FC3-5D15B304800F}"/>
+              </a:ext>
+            </a:extLst>
+          </p:cNvPr>
+          <p:cNvSpPr txBox="1"/>
+          <p:nvPr/>
+        </p:nvSpPr>
+        <p:spPr>
+          <a:xfrm>
+            <a:off x="666751" y="1682414"/>
+            <a:ext cx="4562474" cy="923330"/>
+          </a:xfrm>
+          <a:prstGeom prst="rect">
+            <a:avLst/>
+          </a:prstGeom>
+          <a:noFill/>
+        </p:spPr>
+        <p:txBody>
+          <a:bodyPr wrap="square" rtlCol="0">
+            <a:spAutoFit/>
+          </a:bodyPr>
+          <a:lstStyle/>
+          <a:p>
+            <a:r>
+              <a:rPr lang="en-US" altLang="ko-KR">
+                <a:solidFill>
+                  <a:schemeClr val="bg1"/>
+                </a:solidFill>
+                <a:latin typeface="Pretendard Light" panose="02000403000000020004" pitchFamily="50" charset="-127"/>
+                <a:ea typeface="Pretendard Light" panose="02000403000000020004" pitchFamily="50" charset="-127"/>
+                <a:cs typeface="Pretendard Light" panose="02000403000000020004" pitchFamily="50" charset="-127"/>
+              </a:rPr>
+              <a:t>• </a:t>
+            </a:r>
+            <a:r>
+              <a:rPr lang="ko-KR" altLang="en-US">
+                <a:solidFill>
+                  <a:schemeClr val="bg1"/>
+                </a:solidFill>
+                <a:latin typeface="Pretendard Light" panose="02000403000000020004" pitchFamily="50" charset="-127"/>
+                <a:ea typeface="Pretendard Light" panose="02000403000000020004" pitchFamily="50" charset="-127"/>
+                <a:cs typeface="Pretendard Light" panose="02000403000000020004" pitchFamily="50" charset="-127"/>
+              </a:rPr>
+              <a:t>인천경연중학교 </a:t>
+            </a:r>
+            <a:r>
+              <a:rPr lang="en-US" altLang="ko-KR">
+                <a:solidFill>
+                  <a:schemeClr val="bg1"/>
+                </a:solidFill>
+                <a:latin typeface="Pretendard Black" panose="02000A03000000020004" pitchFamily="50" charset="-127"/>
+                <a:ea typeface="Pretendard Black" panose="02000A03000000020004" pitchFamily="50" charset="-127"/>
+                <a:cs typeface="Pretendard Black" panose="02000A03000000020004" pitchFamily="50" charset="-127"/>
+              </a:rPr>
+              <a:t>1</a:t>
+            </a:r>
+            <a:r>
+              <a:rPr lang="ko-KR" altLang="en-US">
+                <a:solidFill>
+                  <a:schemeClr val="bg1"/>
+                </a:solidFill>
+                <a:latin typeface="Pretendard Black" panose="02000A03000000020004" pitchFamily="50" charset="-127"/>
+                <a:ea typeface="Pretendard Black" panose="02000A03000000020004" pitchFamily="50" charset="-127"/>
+                <a:cs typeface="Pretendard Black" panose="02000A03000000020004" pitchFamily="50" charset="-127"/>
+              </a:rPr>
+              <a:t>학년 </a:t>
+            </a:r>
+            <a:r>
+              <a:rPr lang="en-US" altLang="ko-KR">
+                <a:solidFill>
+                  <a:schemeClr val="bg1"/>
+                </a:solidFill>
+                <a:latin typeface="Pretendard Black" panose="02000A03000000020004" pitchFamily="50" charset="-127"/>
+                <a:ea typeface="Pretendard Black" panose="02000A03000000020004" pitchFamily="50" charset="-127"/>
+                <a:cs typeface="Pretendard Black" panose="02000A03000000020004" pitchFamily="50" charset="-127"/>
+              </a:rPr>
+              <a:t>2</a:t>
+            </a:r>
+            <a:r>
+              <a:rPr lang="ko-KR" altLang="en-US">
+                <a:solidFill>
+                  <a:schemeClr val="bg1"/>
+                </a:solidFill>
+                <a:latin typeface="Pretendard Black" panose="02000A03000000020004" pitchFamily="50" charset="-127"/>
+                <a:ea typeface="Pretendard Black" panose="02000A03000000020004" pitchFamily="50" charset="-127"/>
+                <a:cs typeface="Pretendard Black" panose="02000A03000000020004" pitchFamily="50" charset="-127"/>
+              </a:rPr>
+              <a:t>반 부반장</a:t>
+            </a:r>
+            <a:endParaRPr lang="en-US" altLang="ko-KR">
+              <a:solidFill>
+                <a:schemeClr val="bg1"/>
+              </a:solidFill>
+              <a:latin typeface="Pretendard Black" panose="02000A03000000020004" pitchFamily="50" charset="-127"/>
+              <a:ea typeface="Pretendard Black" panose="02000A03000000020004" pitchFamily="50" charset="-127"/>
+              <a:cs typeface="Pretendard Black" panose="02000A03000000020004" pitchFamily="50" charset="-127"/>
+            </a:endParaRPr>
+          </a:p>
+          <a:p>
+            <a:r>
+              <a:rPr lang="en-US" altLang="ko-KR">
+                <a:solidFill>
+                  <a:schemeClr val="bg1"/>
+                </a:solidFill>
+                <a:latin typeface="Pretendard Light" panose="02000403000000020004" pitchFamily="50" charset="-127"/>
+                <a:ea typeface="Pretendard Light" panose="02000403000000020004" pitchFamily="50" charset="-127"/>
+                <a:cs typeface="Pretendard Light" panose="02000403000000020004" pitchFamily="50" charset="-127"/>
+              </a:rPr>
+              <a:t>• 2010</a:t>
+            </a:r>
+            <a:r>
+              <a:rPr lang="ko-KR" altLang="en-US">
+                <a:solidFill>
+                  <a:schemeClr val="bg1"/>
+                </a:solidFill>
+                <a:latin typeface="Pretendard Light" panose="02000403000000020004" pitchFamily="50" charset="-127"/>
+                <a:ea typeface="Pretendard Light" panose="02000403000000020004" pitchFamily="50" charset="-127"/>
+                <a:cs typeface="Pretendard Light" panose="02000403000000020004" pitchFamily="50" charset="-127"/>
+              </a:rPr>
+              <a:t>년 </a:t>
+            </a:r>
+            <a:r>
+              <a:rPr lang="en-US" altLang="ko-KR">
+                <a:solidFill>
+                  <a:schemeClr val="bg1"/>
+                </a:solidFill>
+                <a:latin typeface="Pretendard Light" panose="02000403000000020004" pitchFamily="50" charset="-127"/>
+                <a:ea typeface="Pretendard Light" panose="02000403000000020004" pitchFamily="50" charset="-127"/>
+                <a:cs typeface="Pretendard Light" panose="02000403000000020004" pitchFamily="50" charset="-127"/>
+              </a:rPr>
+              <a:t>1</a:t>
+            </a:r>
+            <a:r>
+              <a:rPr lang="ko-KR" altLang="en-US">
+                <a:solidFill>
+                  <a:schemeClr val="bg1"/>
+                </a:solidFill>
+                <a:latin typeface="Pretendard Light" panose="02000403000000020004" pitchFamily="50" charset="-127"/>
+                <a:ea typeface="Pretendard Light" panose="02000403000000020004" pitchFamily="50" charset="-127"/>
+                <a:cs typeface="Pretendard Light" panose="02000403000000020004" pitchFamily="50" charset="-127"/>
+              </a:rPr>
+              <a:t>월 </a:t>
+            </a:r>
+            <a:r>
+              <a:rPr lang="en-US" altLang="ko-KR">
+                <a:solidFill>
+                  <a:schemeClr val="bg1"/>
+                </a:solidFill>
+                <a:latin typeface="Pretendard Light" panose="02000403000000020004" pitchFamily="50" charset="-127"/>
+                <a:ea typeface="Pretendard Light" panose="02000403000000020004" pitchFamily="50" charset="-127"/>
+                <a:cs typeface="Pretendard Light" panose="02000403000000020004" pitchFamily="50" charset="-127"/>
+              </a:rPr>
+              <a:t>29</a:t>
+            </a:r>
+            <a:r>
+              <a:rPr lang="ko-KR" altLang="en-US">
+                <a:solidFill>
+                  <a:schemeClr val="bg1"/>
+                </a:solidFill>
+                <a:latin typeface="Pretendard Light" panose="02000403000000020004" pitchFamily="50" charset="-127"/>
+                <a:ea typeface="Pretendard Light" panose="02000403000000020004" pitchFamily="50" charset="-127"/>
+                <a:cs typeface="Pretendard Light" panose="02000403000000020004" pitchFamily="50" charset="-127"/>
+              </a:rPr>
+              <a:t>일생</a:t>
+            </a:r>
+            <a:r>
+              <a:rPr lang="en-US" altLang="ko-KR">
+                <a:solidFill>
+                  <a:schemeClr val="bg1"/>
+                </a:solidFill>
+                <a:latin typeface="Pretendard Light" panose="02000403000000020004" pitchFamily="50" charset="-127"/>
+                <a:ea typeface="Pretendard Light" panose="02000403000000020004" pitchFamily="50" charset="-127"/>
+                <a:cs typeface="Pretendard Light" panose="02000403000000020004" pitchFamily="50" charset="-127"/>
+              </a:rPr>
+              <a:t>, </a:t>
+            </a:r>
+            <a:r>
+              <a:rPr lang="ko-KR" altLang="en-US">
+                <a:solidFill>
+                  <a:schemeClr val="bg1"/>
+                </a:solidFill>
+                <a:latin typeface="Pretendard Light" panose="02000403000000020004" pitchFamily="50" charset="-127"/>
+                <a:ea typeface="Pretendard Light" panose="02000403000000020004" pitchFamily="50" charset="-127"/>
+                <a:cs typeface="Pretendard Light" panose="02000403000000020004" pitchFamily="50" charset="-127"/>
+              </a:rPr>
+              <a:t>현재 만 </a:t>
+            </a:r>
+            <a:r>
+              <a:rPr lang="en-US" altLang="ko-KR">
+                <a:solidFill>
+                  <a:schemeClr val="bg1"/>
+                </a:solidFill>
+                <a:latin typeface="Pretendard Light" panose="02000403000000020004" pitchFamily="50" charset="-127"/>
+                <a:ea typeface="Pretendard Light" panose="02000403000000020004" pitchFamily="50" charset="-127"/>
+                <a:cs typeface="Pretendard Light" panose="02000403000000020004" pitchFamily="50" charset="-127"/>
+              </a:rPr>
+              <a:t>13</a:t>
+            </a:r>
+            <a:r>
+              <a:rPr lang="ko-KR" altLang="en-US">
+                <a:solidFill>
+                  <a:schemeClr val="bg1"/>
+                </a:solidFill>
+                <a:latin typeface="Pretendard Light" panose="02000403000000020004" pitchFamily="50" charset="-127"/>
+                <a:ea typeface="Pretendard Light" panose="02000403000000020004" pitchFamily="50" charset="-127"/>
+                <a:cs typeface="Pretendard Light" panose="02000403000000020004" pitchFamily="50" charset="-127"/>
+              </a:rPr>
+              <a:t>세</a:t>
+            </a:r>
+            <a:endParaRPr lang="en-US" altLang="ko-KR">
+              <a:solidFill>
+                <a:schemeClr val="bg1"/>
+              </a:solidFill>
+              <a:latin typeface="Pretendard Light" panose="02000403000000020004" pitchFamily="50" charset="-127"/>
+              <a:ea typeface="Pretendard Light" panose="02000403000000020004" pitchFamily="50" charset="-127"/>
+              <a:cs typeface="Pretendard Light" panose="02000403000000020004" pitchFamily="50" charset="-127"/>
+            </a:endParaRPr>
+          </a:p>
+          <a:p>
+            <a:r>
+              <a:rPr lang="en-US" altLang="ko-KR">
+                <a:solidFill>
+                  <a:schemeClr val="bg1"/>
+                </a:solidFill>
+                <a:latin typeface="Pretendard Light" panose="02000403000000020004" pitchFamily="50" charset="-127"/>
+                <a:ea typeface="Pretendard Light" panose="02000403000000020004" pitchFamily="50" charset="-127"/>
+                <a:cs typeface="Pretendard Light" panose="02000403000000020004" pitchFamily="50" charset="-127"/>
+              </a:rPr>
+              <a:t>• </a:t>
+            </a:r>
+            <a:r>
+              <a:rPr lang="ko-KR" altLang="en-US">
+                <a:solidFill>
+                  <a:schemeClr val="bg1"/>
+                </a:solidFill>
+                <a:latin typeface="Pretendard Light" panose="02000403000000020004" pitchFamily="50" charset="-127"/>
+                <a:ea typeface="Pretendard Light" panose="02000403000000020004" pitchFamily="50" charset="-127"/>
+                <a:cs typeface="Pretendard Light" panose="02000403000000020004" pitchFamily="50" charset="-127"/>
+              </a:rPr>
+              <a:t>한달 간 </a:t>
+            </a:r>
+            <a:r>
+              <a:rPr lang="ko-KR" altLang="en-US">
+                <a:solidFill>
+                  <a:schemeClr val="bg1"/>
+                </a:solidFill>
+                <a:latin typeface="Pretendard Black" panose="02000A03000000020004" pitchFamily="50" charset="-127"/>
+                <a:ea typeface="Pretendard Black" panose="02000A03000000020004" pitchFamily="50" charset="-127"/>
+                <a:cs typeface="Pretendard Black" panose="02000A03000000020004" pitchFamily="50" charset="-127"/>
+              </a:rPr>
+              <a:t>미국 여행 경험 </a:t>
+            </a:r>
+            <a:r>
+              <a:rPr lang="ko-KR" altLang="en-US">
+                <a:solidFill>
+                  <a:schemeClr val="bg1"/>
+                </a:solidFill>
+                <a:latin typeface="Pretendard Light" panose="02000403000000020004" pitchFamily="50" charset="-127"/>
+                <a:ea typeface="Pretendard Light" panose="02000403000000020004" pitchFamily="50" charset="-127"/>
+                <a:cs typeface="Pretendard Light" panose="02000403000000020004" pitchFamily="50" charset="-127"/>
+              </a:rPr>
+              <a:t>있음</a:t>
+            </a:r>
+            <a:endParaRPr lang="en-US" altLang="ko-KR">
+              <a:solidFill>
+                <a:schemeClr val="bg1"/>
+              </a:solidFill>
+              <a:latin typeface="Pretendard Light" panose="02000403000000020004" pitchFamily="50" charset="-127"/>
+              <a:ea typeface="Pretendard Light" panose="02000403000000020004" pitchFamily="50" charset="-127"/>
+              <a:cs typeface="Pretendard Light" panose="02000403000000020004" pitchFamily="50" charset="-127"/>
+            </a:endParaRPr>
+          </a:p>
+        </p:txBody>
+      </p:sp>
+      <p:sp>
+        <p:nvSpPr>
+          <p:cNvPr id="8" name="자유형: 도형 7">
+            <a:extLst>
+              <a:ext uri="{FF2B5EF4-FFF2-40B4-BE49-F238E27FC236}">
+                <a16:creationId xmlns:a16="http://schemas.microsoft.com/office/drawing/2014/main" id="{29AD1BE1-A817-4433-99AA-C45A54A807EF}"/>
+              </a:ext>
+            </a:extLst>
+          </p:cNvPr>
+          <p:cNvSpPr/>
+          <p:nvPr/>
+        </p:nvSpPr>
+        <p:spPr>
+          <a:xfrm>
+            <a:off x="6675727" y="1"/>
+            <a:ext cx="5516273" cy="6858000"/>
+          </a:xfrm>
+          <a:custGeom>
+            <a:avLst/>
+            <a:gdLst>
+              <a:gd name="connsiteX0" fmla="*/ 953799 w 5516273"/>
+              <a:gd name="connsiteY0" fmla="*/ 0 h 6858000"/>
+              <a:gd name="connsiteX1" fmla="*/ 5516273 w 5516273"/>
+              <a:gd name="connsiteY1" fmla="*/ 0 h 6858000"/>
+              <a:gd name="connsiteX2" fmla="*/ 5516273 w 5516273"/>
+              <a:gd name="connsiteY2" fmla="*/ 6858000 h 6858000"/>
+              <a:gd name="connsiteX3" fmla="*/ 953799 w 5516273"/>
+              <a:gd name="connsiteY3" fmla="*/ 6858000 h 6858000"/>
+              <a:gd name="connsiteX4" fmla="*/ 953799 w 5516273"/>
+              <a:gd name="connsiteY4" fmla="*/ 6857999 h 6858000"/>
+              <a:gd name="connsiteX5" fmla="*/ 0 w 5516273"/>
+              <a:gd name="connsiteY5" fmla="*/ 6857999 h 6858000"/>
+              <a:gd name="connsiteX6" fmla="*/ 953799 w 5516273"/>
+              <a:gd name="connsiteY6" fmla="*/ 5706 h 6858000"/>
+            </a:gdLst>
+            <a:ahLst/>
+            <a:cxnLst>
+              <a:cxn ang="0">
+                <a:pos x="connsiteX0" y="connsiteY0"/>
+              </a:cxn>
+              <a:cxn ang="0">
+                <a:pos x="connsiteX1" y="connsiteY1"/>
+              </a:cxn>
+              <a:cxn ang="0">
+                <a:pos x="connsiteX2" y="connsiteY2"/>
+              </a:cxn>
+              <a:cxn ang="0">
+                <a:pos x="connsiteX3" y="connsiteY3"/>
+              </a:cxn>
+              <a:cxn ang="0">
+                <a:pos x="connsiteX4" y="connsiteY4"/>
+              </a:cxn>
+              <a:cxn ang="0">
+                <a:pos x="connsiteX5" y="connsiteY5"/>
+              </a:cxn>
+              <a:cxn ang="0">
+                <a:pos x="connsiteX6" y="connsiteY6"/>
+              </a:cxn>
+            </a:cxnLst>
+            <a:rect l="l" t="t" r="r" b="b"/>
+            <a:pathLst>
+              <a:path w="5516273" h="6858000">
+                <a:moveTo>
+                  <a:pt x="953799" y="0"/>
+                </a:moveTo>
+                <a:lnTo>
+                  <a:pt x="5516273" y="0"/>
+                </a:lnTo>
+                <a:lnTo>
+                  <a:pt x="5516273" y="6858000"/>
+                </a:lnTo>
+                <a:lnTo>
+                  <a:pt x="953799" y="6858000"/>
+                </a:lnTo>
+                <a:lnTo>
+                  <a:pt x="953799" y="6857999"/>
+                </a:lnTo>
+                <a:lnTo>
+                  <a:pt x="0" y="6857999"/>
+                </a:lnTo>
+                <a:lnTo>
+                  <a:pt x="953799" y="5706"/>
+                </a:lnTo>
+                <a:close/>
+              </a:path>
+            </a:pathLst>
+          </a:custGeom>
+          <a:solidFill>
+            <a:schemeClr val="bg1">
+              <a:lumMod val="95000"/>
+            </a:schemeClr>
+          </a:solidFill>
+          <a:ln>
+            <a:noFill/>
+          </a:ln>
+        </p:spPr>
+        <p:style>
+          <a:lnRef idx="2">
+            <a:schemeClr val="accent1">
+              <a:shade val="50000"/>
+            </a:schemeClr>
+          </a:lnRef>
+          <a:fillRef idx="1">
+            <a:schemeClr val="accent1"/>
+          </a:fillRef>
+          <a:effectRef idx="0">
+            <a:schemeClr val="accent1"/>
+          </a:effectRef>
+          <a:fontRef idx="minor">
+            <a:schemeClr val="lt1"/>
+          </a:fontRef>
+        </p:style>
+        <p:txBody>
+          <a:bodyPr wrap="square" rtlCol="0" anchor="ctr">
+            <a:noAutofit/>
+          </a:bodyPr>
+          <a:lstStyle/>
+          <a:p>
+            <a:pPr algn="ctr"/>
+            <a:endParaRPr lang="ko-KR" altLang="en-US"/>
+          </a:p>
+        </p:txBody>
+      </p:sp>
+      <p:pic>
+        <p:nvPicPr>
+          <p:cNvPr id="5" name="그림 4">
+            <a:extLst>
+              <a:ext uri="{FF2B5EF4-FFF2-40B4-BE49-F238E27FC236}">
+                <a16:creationId xmlns:a16="http://schemas.microsoft.com/office/drawing/2014/main" id="{AD06F384-E186-4AD4-A76E-D45A28F55CE7}"/>
+              </a:ext>
+            </a:extLst>
+          </p:cNvPr>
+          <p:cNvPicPr>
+            <a:picLocks noChangeAspect="1"/>
+          </p:cNvPicPr>
+          <p:nvPr/>
+        </p:nvPicPr>
+        <p:blipFill rotWithShape="1">
+          <a:blip r:embed="rId2">
+            <a:extLst>
+              <a:ext uri="{28A0092B-C50C-407E-A947-70E740481C1C}">
+                <a14:useLocalDpi xmlns:a14="http://schemas.microsoft.com/office/drawing/2010/main" val="0"/>
+              </a:ext>
+            </a:extLst>
+          </a:blip>
+          <a:srcRect/>
+          <a:stretch/>
+        </p:blipFill>
+        <p:spPr>
+          <a:xfrm>
+            <a:off x="6388335" y="713769"/>
+            <a:ext cx="5803665" cy="6144231"/>
+          </a:xfrm>
+          <a:prstGeom prst="rect">
+            <a:avLst/>
+          </a:prstGeom>
+        </p:spPr>
+      </p:pic>
+      <p:pic>
+        <p:nvPicPr>
+          <p:cNvPr id="3" name="그림 2">
+            <a:extLst>
+              <a:ext uri="{FF2B5EF4-FFF2-40B4-BE49-F238E27FC236}">
+                <a16:creationId xmlns:a16="http://schemas.microsoft.com/office/drawing/2014/main" id="{BFE0997A-4732-42D7-82F7-E7F547DFFD8F}"/>
+              </a:ext>
+            </a:extLst>
+          </p:cNvPr>
+          <p:cNvPicPr>
+            <a:picLocks noChangeAspect="1"/>
+          </p:cNvPicPr>
+          <p:nvPr/>
+        </p:nvPicPr>
+        <p:blipFill>
+          <a:blip r:embed="rId3">
+            <a:extLst>
+              <a:ext uri="{28A0092B-C50C-407E-A947-70E740481C1C}">
+                <a14:useLocalDpi xmlns:a14="http://schemas.microsoft.com/office/drawing/2010/main" val="0"/>
+              </a:ext>
+            </a:extLst>
+          </a:blip>
+          <a:stretch>
+            <a:fillRect/>
+          </a:stretch>
+        </p:blipFill>
+        <p:spPr>
+          <a:xfrm>
+            <a:off x="10828699" y="5788418"/>
+            <a:ext cx="1363301" cy="1069581"/>
+          </a:xfrm>
+          <a:prstGeom prst="rect">
+            <a:avLst/>
+          </a:prstGeom>
+        </p:spPr>
+      </p:pic>
+    </p:spTree>
+    <p:extLst>
+      <p:ext uri="{BB962C8B-B14F-4D97-AF65-F5344CB8AC3E}">
+        <p14:creationId xmlns:p14="http://schemas.microsoft.com/office/powerpoint/2010/main" val="362852703"/>
+      </p:ext>
+    </p:extLst>
+  </p:cSld>
+  <p:clrMapOvr>
+    <a:masterClrMapping/>
+  </p:clrMapOvr>
+</p:sld>
+</file>
+
+<file path=ppt/slides/slide3.xml><?xml version="1.0" encoding="utf-8"?>
+<p:sld xmlns:a="http://schemas.openxmlformats.org/drawingml/2006/main" xmlns:r="http://schemas.openxmlformats.org/officeDocument/2006/relationships" xmlns:p="http://schemas.openxmlformats.org/presentationml/2006/main">
+  <p:cSld>
+    <p:bg>
+      <p:bgPr>
+        <a:solidFill>
+          <a:schemeClr val="tx1"/>
+        </a:solidFill>
+        <a:effectLst/>
+      </p:bgPr>
+    </p:bg>
+    <p:spTree>
+      <p:nvGrpSpPr>
+        <p:cNvPr id="1" name=""/>
+        <p:cNvGrpSpPr/>
+        <p:nvPr/>
+      </p:nvGrpSpPr>
+      <p:grpSpPr>
+        <a:xfrm>
+          <a:off x="0" y="0"/>
+          <a:ext cx="0" cy="0"/>
+          <a:chOff x="0" y="0"/>
+          <a:chExt cx="0" cy="0"/>
+        </a:xfrm>
+      </p:grpSpPr>
+      <p:sp>
+        <p:nvSpPr>
           <p:cNvPr id="2" name="TextBox 1">
             <a:extLst>
               <a:ext uri="{FF2B5EF4-FFF2-40B4-BE49-F238E27FC236}">
@@ -3705,7 +4363,7 @@
         </p:nvSpPr>
         <p:spPr>
           <a:xfrm>
-            <a:off x="5345146" y="666750"/>
+            <a:off x="6409747" y="666750"/>
             <a:ext cx="3759362" cy="923330"/>
           </a:xfrm>
           <a:prstGeom prst="rect">
@@ -3752,18 +4410,18 @@
                 <a:ea typeface="Pretendard Light" panose="02000403000000020004" pitchFamily="50" charset="-127"/>
                 <a:cs typeface="Pretendard Light" panose="02000403000000020004" pitchFamily="50" charset="-127"/>
               </a:rPr>
-              <a:t>매일매일 </a:t>
-            </a:r>
-            <a:r>
-              <a:rPr lang="ko-KR" altLang="en-US">
-                <a:solidFill>
-                  <a:schemeClr val="bg1"/>
-                </a:solidFill>
-                <a:latin typeface="Pretendard Black" panose="02000A03000000020004" pitchFamily="50" charset="-127"/>
-                <a:ea typeface="Pretendard Black" panose="02000A03000000020004" pitchFamily="50" charset="-127"/>
-                <a:cs typeface="Pretendard Black" panose="02000A03000000020004" pitchFamily="50" charset="-127"/>
-              </a:rPr>
-              <a:t>똑같거든요</a:t>
+              <a:t>뭐 매일매일 </a:t>
+            </a:r>
+            <a:r>
+              <a:rPr lang="ko-KR" altLang="en-US">
+                <a:solidFill>
+                  <a:schemeClr val="bg1"/>
+                </a:solidFill>
+                <a:latin typeface="Pretendard Black" panose="02000A03000000020004" pitchFamily="50" charset="-127"/>
+                <a:ea typeface="Pretendard Black" panose="02000A03000000020004" pitchFamily="50" charset="-127"/>
+                <a:cs typeface="Pretendard Black" panose="02000A03000000020004" pitchFamily="50" charset="-127"/>
+              </a:rPr>
+              <a:t>똑같으니까요</a:t>
             </a:r>
             <a:r>
               <a:rPr lang="en-US" altLang="ko-KR">
@@ -4025,7 +4683,7 @@
         </p:nvSpPr>
         <p:spPr>
           <a:xfrm>
-            <a:off x="5345146" y="2044005"/>
+            <a:off x="6409747" y="2044005"/>
             <a:ext cx="4751622" cy="923330"/>
           </a:xfrm>
           <a:prstGeom prst="rect">
@@ -4378,7 +5036,7 @@
         </p:nvSpPr>
         <p:spPr>
           <a:xfrm>
-            <a:off x="5345146" y="3890666"/>
+            <a:off x="6409747" y="3890666"/>
             <a:ext cx="5115503" cy="923330"/>
           </a:xfrm>
           <a:prstGeom prst="rect">
@@ -4688,10 +5346,2361 @@
           </a:extLst>
         </p:spPr>
       </p:pic>
+      <p:pic>
+        <p:nvPicPr>
+          <p:cNvPr id="7" name="그림 6">
+            <a:extLst>
+              <a:ext uri="{FF2B5EF4-FFF2-40B4-BE49-F238E27FC236}">
+                <a16:creationId xmlns:a16="http://schemas.microsoft.com/office/drawing/2014/main" id="{E4639EE2-8B26-4702-BDF6-4E9B3C5E7D76}"/>
+              </a:ext>
+            </a:extLst>
+          </p:cNvPr>
+          <p:cNvPicPr>
+            <a:picLocks noChangeAspect="1"/>
+          </p:cNvPicPr>
+          <p:nvPr/>
+        </p:nvPicPr>
+        <p:blipFill>
+          <a:blip r:embed="rId3">
+            <a:extLst>
+              <a:ext uri="{28A0092B-C50C-407E-A947-70E740481C1C}">
+                <a14:useLocalDpi xmlns:a14="http://schemas.microsoft.com/office/drawing/2010/main" val="0"/>
+              </a:ext>
+            </a:extLst>
+          </a:blip>
+          <a:stretch>
+            <a:fillRect/>
+          </a:stretch>
+        </p:blipFill>
+        <p:spPr>
+          <a:xfrm>
+            <a:off x="10828699" y="5788419"/>
+            <a:ext cx="1363301" cy="1069581"/>
+          </a:xfrm>
+          <a:prstGeom prst="rect">
+            <a:avLst/>
+          </a:prstGeom>
+        </p:spPr>
+      </p:pic>
     </p:spTree>
     <p:extLst>
       <p:ext uri="{BB962C8B-B14F-4D97-AF65-F5344CB8AC3E}">
-        <p14:creationId xmlns:p14="http://schemas.microsoft.com/office/powerpoint/2010/main" val="1753815054"/>
+        <p14:creationId xmlns:p14="http://schemas.microsoft.com/office/powerpoint/2010/main" val="3152898035"/>
+      </p:ext>
+    </p:extLst>
+  </p:cSld>
+  <p:clrMapOvr>
+    <a:masterClrMapping/>
+  </p:clrMapOvr>
+</p:sld>
+</file>
+
+<file path=ppt/slides/slide4.xml><?xml version="1.0" encoding="utf-8"?>
+<p:sld xmlns:a="http://schemas.openxmlformats.org/drawingml/2006/main" xmlns:r="http://schemas.openxmlformats.org/officeDocument/2006/relationships" xmlns:p="http://schemas.openxmlformats.org/presentationml/2006/main">
+  <p:cSld>
+    <p:bg>
+      <p:bgPr>
+        <a:solidFill>
+          <a:schemeClr val="tx1"/>
+        </a:solidFill>
+        <a:effectLst/>
+      </p:bgPr>
+    </p:bg>
+    <p:spTree>
+      <p:nvGrpSpPr>
+        <p:cNvPr id="1" name=""/>
+        <p:cNvGrpSpPr/>
+        <p:nvPr/>
+      </p:nvGrpSpPr>
+      <p:grpSpPr>
+        <a:xfrm>
+          <a:off x="0" y="0"/>
+          <a:ext cx="0" cy="0"/>
+          <a:chOff x="0" y="0"/>
+          <a:chExt cx="0" cy="0"/>
+        </a:xfrm>
+      </p:grpSpPr>
+      <p:sp>
+        <p:nvSpPr>
+          <p:cNvPr id="2" name="TextBox 1">
+            <a:extLst>
+              <a:ext uri="{FF2B5EF4-FFF2-40B4-BE49-F238E27FC236}">
+                <a16:creationId xmlns:a16="http://schemas.microsoft.com/office/drawing/2014/main" id="{DCEB6698-DE1A-4802-8FAB-395563E59118}"/>
+              </a:ext>
+            </a:extLst>
+          </p:cNvPr>
+          <p:cNvSpPr txBox="1"/>
+          <p:nvPr/>
+        </p:nvSpPr>
+        <p:spPr>
+          <a:xfrm>
+            <a:off x="666750" y="666750"/>
+            <a:ext cx="5392823" cy="923330"/>
+          </a:xfrm>
+          <a:prstGeom prst="rect">
+            <a:avLst/>
+          </a:prstGeom>
+          <a:noFill/>
+        </p:spPr>
+        <p:txBody>
+          <a:bodyPr wrap="none" rtlCol="0">
+            <a:spAutoFit/>
+          </a:bodyPr>
+          <a:lstStyle/>
+          <a:p>
+            <a:r>
+              <a:rPr lang="ko-KR" altLang="en-US">
+                <a:solidFill>
+                  <a:schemeClr val="bg1"/>
+                </a:solidFill>
+                <a:latin typeface="Pretendard Light" panose="02000403000000020004" pitchFamily="50" charset="-127"/>
+                <a:ea typeface="Pretendard Light" panose="02000403000000020004" pitchFamily="50" charset="-127"/>
+                <a:cs typeface="Pretendard Light" panose="02000403000000020004" pitchFamily="50" charset="-127"/>
+              </a:rPr>
+              <a:t>그럼</a:t>
+            </a:r>
+            <a:r>
+              <a:rPr lang="en-US" altLang="ko-KR">
+                <a:solidFill>
+                  <a:schemeClr val="bg1"/>
+                </a:solidFill>
+                <a:latin typeface="Pretendard Light" panose="02000403000000020004" pitchFamily="50" charset="-127"/>
+                <a:ea typeface="Pretendard Light" panose="02000403000000020004" pitchFamily="50" charset="-127"/>
+                <a:cs typeface="Pretendard Light" panose="02000403000000020004" pitchFamily="50" charset="-127"/>
+              </a:rPr>
+              <a:t>, </a:t>
+            </a:r>
+            <a:r>
+              <a:rPr lang="ko-KR" altLang="en-US">
+                <a:solidFill>
+                  <a:schemeClr val="bg1"/>
+                </a:solidFill>
+                <a:latin typeface="Pretendard Light" panose="02000403000000020004" pitchFamily="50" charset="-127"/>
+                <a:ea typeface="Pretendard Light" panose="02000403000000020004" pitchFamily="50" charset="-127"/>
+                <a:cs typeface="Pretendard Light" panose="02000403000000020004" pitchFamily="50" charset="-127"/>
+              </a:rPr>
+              <a:t>좀 다른 주제로 넘어가서</a:t>
+            </a:r>
+            <a:r>
+              <a:rPr lang="en-US" altLang="ko-KR">
+                <a:solidFill>
+                  <a:schemeClr val="bg1"/>
+                </a:solidFill>
+                <a:latin typeface="Pretendard Light" panose="02000403000000020004" pitchFamily="50" charset="-127"/>
+                <a:ea typeface="Pretendard Light" panose="02000403000000020004" pitchFamily="50" charset="-127"/>
+                <a:cs typeface="Pretendard Light" panose="02000403000000020004" pitchFamily="50" charset="-127"/>
+              </a:rPr>
+              <a:t>…</a:t>
+            </a:r>
+          </a:p>
+          <a:p>
+            <a:r>
+              <a:rPr lang="ko-KR" altLang="en-US" sz="3600">
+                <a:solidFill>
+                  <a:schemeClr val="bg1"/>
+                </a:solidFill>
+                <a:latin typeface="Pretendard Black" panose="02000A03000000020004" pitchFamily="50" charset="-127"/>
+                <a:ea typeface="Pretendard Black" panose="02000A03000000020004" pitchFamily="50" charset="-127"/>
+                <a:cs typeface="Pretendard Black" panose="02000A03000000020004" pitchFamily="50" charset="-127"/>
+              </a:rPr>
+              <a:t>좋아하시는 것</a:t>
+            </a:r>
+            <a:r>
+              <a:rPr lang="ko-KR" altLang="en-US" sz="3600">
+                <a:solidFill>
+                  <a:schemeClr val="bg1"/>
+                </a:solidFill>
+                <a:latin typeface="Pretendard Light" panose="02000403000000020004" pitchFamily="50" charset="-127"/>
+                <a:ea typeface="Pretendard Light" panose="02000403000000020004" pitchFamily="50" charset="-127"/>
+                <a:cs typeface="Pretendard Light" panose="02000403000000020004" pitchFamily="50" charset="-127"/>
+              </a:rPr>
+              <a:t>이</a:t>
+            </a:r>
+            <a:r>
+              <a:rPr lang="ko-KR" altLang="en-US" sz="3600">
+                <a:solidFill>
+                  <a:schemeClr val="bg1"/>
+                </a:solidFill>
+                <a:latin typeface="Pretendard Black" panose="02000A03000000020004" pitchFamily="50" charset="-127"/>
+                <a:ea typeface="Pretendard Black" panose="02000A03000000020004" pitchFamily="50" charset="-127"/>
+                <a:cs typeface="Pretendard Black" panose="02000A03000000020004" pitchFamily="50" charset="-127"/>
+              </a:rPr>
+              <a:t> 있으신가요</a:t>
+            </a:r>
+            <a:r>
+              <a:rPr lang="en-US" altLang="ko-KR" sz="3600">
+                <a:solidFill>
+                  <a:schemeClr val="bg1"/>
+                </a:solidFill>
+                <a:latin typeface="Pretendard Light" panose="02000403000000020004" pitchFamily="50" charset="-127"/>
+                <a:ea typeface="Pretendard Light" panose="02000403000000020004" pitchFamily="50" charset="-127"/>
+                <a:cs typeface="Pretendard Light" panose="02000403000000020004" pitchFamily="50" charset="-127"/>
+              </a:rPr>
+              <a:t>?</a:t>
+            </a:r>
+          </a:p>
+        </p:txBody>
+      </p:sp>
+      <p:sp>
+        <p:nvSpPr>
+          <p:cNvPr id="3" name="TextBox 2">
+            <a:extLst>
+              <a:ext uri="{FF2B5EF4-FFF2-40B4-BE49-F238E27FC236}">
+                <a16:creationId xmlns:a16="http://schemas.microsoft.com/office/drawing/2014/main" id="{118BAAA4-6E64-48FA-8574-144D381EFEC3}"/>
+              </a:ext>
+            </a:extLst>
+          </p:cNvPr>
+          <p:cNvSpPr txBox="1"/>
+          <p:nvPr/>
+        </p:nvSpPr>
+        <p:spPr>
+          <a:xfrm>
+            <a:off x="6409747" y="666750"/>
+            <a:ext cx="3323346" cy="369332"/>
+          </a:xfrm>
+          <a:prstGeom prst="rect">
+            <a:avLst/>
+          </a:prstGeom>
+          <a:noFill/>
+        </p:spPr>
+        <p:txBody>
+          <a:bodyPr wrap="none" rtlCol="0">
+            <a:spAutoFit/>
+          </a:bodyPr>
+          <a:lstStyle/>
+          <a:p>
+            <a:r>
+              <a:rPr lang="ko-KR" altLang="en-US">
+                <a:solidFill>
+                  <a:schemeClr val="bg1"/>
+                </a:solidFill>
+                <a:latin typeface="Pretendard Black" panose="02000A03000000020004" pitchFamily="50" charset="-127"/>
+                <a:ea typeface="Pretendard Black" panose="02000A03000000020004" pitchFamily="50" charset="-127"/>
+                <a:cs typeface="Pretendard Black" panose="02000A03000000020004" pitchFamily="50" charset="-127"/>
+              </a:rPr>
+              <a:t>게임         </a:t>
+            </a:r>
+            <a:r>
+              <a:rPr lang="ko-KR" altLang="en-US">
+                <a:solidFill>
+                  <a:schemeClr val="bg1"/>
+                </a:solidFill>
+                <a:latin typeface="Pretendard Light" panose="02000403000000020004" pitchFamily="50" charset="-127"/>
+                <a:ea typeface="Pretendard Light" panose="02000403000000020004" pitchFamily="50" charset="-127"/>
+                <a:cs typeface="Pretendard Light" panose="02000403000000020004" pitchFamily="50" charset="-127"/>
+              </a:rPr>
+              <a:t>이랑 </a:t>
+            </a:r>
+            <a:r>
+              <a:rPr lang="ko-KR" altLang="en-US">
+                <a:solidFill>
+                  <a:schemeClr val="bg1"/>
+                </a:solidFill>
+                <a:latin typeface="Pretendard Black" panose="02000A03000000020004" pitchFamily="50" charset="-127"/>
+                <a:ea typeface="Pretendard Black" panose="02000A03000000020004" pitchFamily="50" charset="-127"/>
+                <a:cs typeface="Pretendard Black" panose="02000A03000000020004" pitchFamily="50" charset="-127"/>
+              </a:rPr>
+              <a:t>운동</a:t>
+            </a:r>
+            <a:r>
+              <a:rPr lang="ko-KR" altLang="en-US">
+                <a:solidFill>
+                  <a:schemeClr val="bg1"/>
+                </a:solidFill>
+                <a:latin typeface="Pretendard Light" panose="02000403000000020004" pitchFamily="50" charset="-127"/>
+                <a:ea typeface="Pretendard Light" panose="02000403000000020004" pitchFamily="50" charset="-127"/>
+                <a:cs typeface="Pretendard Light" panose="02000403000000020004" pitchFamily="50" charset="-127"/>
+              </a:rPr>
+              <a:t>       좋아합니다</a:t>
+            </a:r>
+            <a:r>
+              <a:rPr lang="en-US" altLang="ko-KR">
+                <a:solidFill>
+                  <a:schemeClr val="bg1"/>
+                </a:solidFill>
+                <a:latin typeface="Pretendard Light" panose="02000403000000020004" pitchFamily="50" charset="-127"/>
+                <a:ea typeface="Pretendard Light" panose="02000403000000020004" pitchFamily="50" charset="-127"/>
+                <a:cs typeface="Pretendard Light" panose="02000403000000020004" pitchFamily="50" charset="-127"/>
+              </a:rPr>
+              <a:t>.</a:t>
+            </a:r>
+          </a:p>
+        </p:txBody>
+      </p:sp>
+      <p:sp>
+        <p:nvSpPr>
+          <p:cNvPr id="5" name="TextBox 4">
+            <a:extLst>
+              <a:ext uri="{FF2B5EF4-FFF2-40B4-BE49-F238E27FC236}">
+                <a16:creationId xmlns:a16="http://schemas.microsoft.com/office/drawing/2014/main" id="{F02F109E-D7C3-4267-A7D2-3A60682B9608}"/>
+              </a:ext>
+            </a:extLst>
+          </p:cNvPr>
+          <p:cNvSpPr txBox="1"/>
+          <p:nvPr/>
+        </p:nvSpPr>
+        <p:spPr>
+          <a:xfrm>
+            <a:off x="666750" y="2044005"/>
+            <a:ext cx="4737194" cy="1477328"/>
+          </a:xfrm>
+          <a:prstGeom prst="rect">
+            <a:avLst/>
+          </a:prstGeom>
+          <a:noFill/>
+        </p:spPr>
+        <p:txBody>
+          <a:bodyPr wrap="none" rtlCol="0">
+            <a:spAutoFit/>
+          </a:bodyPr>
+          <a:lstStyle/>
+          <a:p>
+            <a:r>
+              <a:rPr lang="ko-KR" altLang="en-US">
+                <a:solidFill>
+                  <a:schemeClr val="bg1"/>
+                </a:solidFill>
+                <a:latin typeface="Pretendard Light" panose="02000403000000020004" pitchFamily="50" charset="-127"/>
+                <a:ea typeface="Pretendard Light" panose="02000403000000020004" pitchFamily="50" charset="-127"/>
+                <a:cs typeface="Pretendard Light" panose="02000403000000020004" pitchFamily="50" charset="-127"/>
+              </a:rPr>
+              <a:t>좀 더 </a:t>
+            </a:r>
+            <a:r>
+              <a:rPr lang="ko-KR" altLang="en-US">
+                <a:solidFill>
+                  <a:schemeClr val="bg1"/>
+                </a:solidFill>
+                <a:latin typeface="Pretendard Black" panose="02000A03000000020004" pitchFamily="50" charset="-127"/>
+                <a:ea typeface="Pretendard Black" panose="02000A03000000020004" pitchFamily="50" charset="-127"/>
+                <a:cs typeface="Pretendard Black" panose="02000A03000000020004" pitchFamily="50" charset="-127"/>
+              </a:rPr>
+              <a:t>자세히 부탁</a:t>
+            </a:r>
+            <a:r>
+              <a:rPr lang="ko-KR" altLang="en-US">
+                <a:solidFill>
+                  <a:schemeClr val="bg1"/>
+                </a:solidFill>
+                <a:latin typeface="Pretendard Light" panose="02000403000000020004" pitchFamily="50" charset="-127"/>
+                <a:ea typeface="Pretendard Light" panose="02000403000000020004" pitchFamily="50" charset="-127"/>
+                <a:cs typeface="Pretendard Light" panose="02000403000000020004" pitchFamily="50" charset="-127"/>
+              </a:rPr>
+              <a:t>드립니다</a:t>
+            </a:r>
+            <a:r>
+              <a:rPr lang="en-US" altLang="ko-KR">
+                <a:solidFill>
+                  <a:schemeClr val="bg1"/>
+                </a:solidFill>
+                <a:latin typeface="Pretendard Light" panose="02000403000000020004" pitchFamily="50" charset="-127"/>
+                <a:ea typeface="Pretendard Light" panose="02000403000000020004" pitchFamily="50" charset="-127"/>
+                <a:cs typeface="Pretendard Light" panose="02000403000000020004" pitchFamily="50" charset="-127"/>
+              </a:rPr>
+              <a:t>.</a:t>
+            </a:r>
+          </a:p>
+          <a:p>
+            <a:r>
+              <a:rPr lang="ko-KR" altLang="en-US" sz="3600">
+                <a:solidFill>
+                  <a:schemeClr val="bg1"/>
+                </a:solidFill>
+                <a:latin typeface="Pretendard Black" panose="02000A03000000020004" pitchFamily="50" charset="-127"/>
+                <a:ea typeface="Pretendard Black" panose="02000A03000000020004" pitchFamily="50" charset="-127"/>
+                <a:cs typeface="Pretendard Black" panose="02000A03000000020004" pitchFamily="50" charset="-127"/>
+              </a:rPr>
+              <a:t>게임 이름</a:t>
+            </a:r>
+            <a:r>
+              <a:rPr lang="ko-KR" altLang="en-US" sz="3600">
+                <a:solidFill>
+                  <a:schemeClr val="bg1"/>
+                </a:solidFill>
+                <a:latin typeface="Pretendard Light" panose="02000403000000020004" pitchFamily="50" charset="-127"/>
+                <a:ea typeface="Pretendard Light" panose="02000403000000020004" pitchFamily="50" charset="-127"/>
+                <a:cs typeface="Pretendard Light" panose="02000403000000020004" pitchFamily="50" charset="-127"/>
+              </a:rPr>
+              <a:t>이라던지</a:t>
+            </a:r>
+            <a:endParaRPr lang="en-US" altLang="ko-KR" sz="3600">
+              <a:solidFill>
+                <a:schemeClr val="bg1"/>
+              </a:solidFill>
+              <a:latin typeface="Pretendard Light" panose="02000403000000020004" pitchFamily="50" charset="-127"/>
+              <a:ea typeface="Pretendard Light" panose="02000403000000020004" pitchFamily="50" charset="-127"/>
+              <a:cs typeface="Pretendard Light" panose="02000403000000020004" pitchFamily="50" charset="-127"/>
+            </a:endParaRPr>
+          </a:p>
+          <a:p>
+            <a:r>
+              <a:rPr lang="ko-KR" altLang="en-US" sz="3600">
+                <a:solidFill>
+                  <a:schemeClr val="bg1"/>
+                </a:solidFill>
+                <a:latin typeface="Pretendard Light" panose="02000403000000020004" pitchFamily="50" charset="-127"/>
+                <a:ea typeface="Pretendard Light" panose="02000403000000020004" pitchFamily="50" charset="-127"/>
+                <a:cs typeface="Pretendard Light" panose="02000403000000020004" pitchFamily="50" charset="-127"/>
+              </a:rPr>
+              <a:t>아니면 </a:t>
+            </a:r>
+            <a:r>
+              <a:rPr lang="ko-KR" altLang="en-US" sz="3600">
+                <a:solidFill>
+                  <a:schemeClr val="bg1"/>
+                </a:solidFill>
+                <a:latin typeface="Pretendard Black" panose="02000A03000000020004" pitchFamily="50" charset="-127"/>
+                <a:ea typeface="Pretendard Black" panose="02000A03000000020004" pitchFamily="50" charset="-127"/>
+                <a:cs typeface="Pretendard Black" panose="02000A03000000020004" pitchFamily="50" charset="-127"/>
+              </a:rPr>
+              <a:t>운동 종류</a:t>
+            </a:r>
+            <a:r>
+              <a:rPr lang="ko-KR" altLang="en-US" sz="3600">
+                <a:solidFill>
+                  <a:schemeClr val="bg1"/>
+                </a:solidFill>
+                <a:latin typeface="Pretendard Light" panose="02000403000000020004" pitchFamily="50" charset="-127"/>
+                <a:ea typeface="Pretendard Light" panose="02000403000000020004" pitchFamily="50" charset="-127"/>
+                <a:cs typeface="Pretendard Light" panose="02000403000000020004" pitchFamily="50" charset="-127"/>
+              </a:rPr>
+              <a:t>라던지</a:t>
+            </a:r>
+            <a:r>
+              <a:rPr lang="en-US" altLang="ko-KR" sz="3600">
+                <a:solidFill>
+                  <a:schemeClr val="bg1"/>
+                </a:solidFill>
+                <a:latin typeface="Pretendard Light" panose="02000403000000020004" pitchFamily="50" charset="-127"/>
+                <a:ea typeface="Pretendard Light" panose="02000403000000020004" pitchFamily="50" charset="-127"/>
+                <a:cs typeface="Pretendard Light" panose="02000403000000020004" pitchFamily="50" charset="-127"/>
+              </a:rPr>
+              <a:t>…</a:t>
+            </a:r>
+          </a:p>
+        </p:txBody>
+      </p:sp>
+      <p:sp>
+        <p:nvSpPr>
+          <p:cNvPr id="6" name="TextBox 5">
+            <a:extLst>
+              <a:ext uri="{FF2B5EF4-FFF2-40B4-BE49-F238E27FC236}">
+                <a16:creationId xmlns:a16="http://schemas.microsoft.com/office/drawing/2014/main" id="{EEAA045E-4922-4CB9-B7B0-6837AC2B43F4}"/>
+              </a:ext>
+            </a:extLst>
+          </p:cNvPr>
+          <p:cNvSpPr txBox="1"/>
+          <p:nvPr/>
+        </p:nvSpPr>
+        <p:spPr>
+          <a:xfrm>
+            <a:off x="6409747" y="2044005"/>
+            <a:ext cx="3583032" cy="646331"/>
+          </a:xfrm>
+          <a:prstGeom prst="rect">
+            <a:avLst/>
+          </a:prstGeom>
+          <a:noFill/>
+        </p:spPr>
+        <p:txBody>
+          <a:bodyPr wrap="none" rtlCol="0">
+            <a:spAutoFit/>
+          </a:bodyPr>
+          <a:lstStyle/>
+          <a:p>
+            <a:r>
+              <a:rPr lang="ko-KR" altLang="en-US">
+                <a:solidFill>
+                  <a:schemeClr val="bg1"/>
+                </a:solidFill>
+                <a:latin typeface="Pretendard Black" panose="02000A03000000020004" pitchFamily="50" charset="-127"/>
+                <a:ea typeface="Pretendard Black" panose="02000A03000000020004" pitchFamily="50" charset="-127"/>
+                <a:cs typeface="Pretendard Black" panose="02000A03000000020004" pitchFamily="50" charset="-127"/>
+              </a:rPr>
+              <a:t>게임</a:t>
+            </a:r>
+            <a:r>
+              <a:rPr lang="ko-KR" altLang="en-US">
+                <a:solidFill>
+                  <a:schemeClr val="bg1"/>
+                </a:solidFill>
+                <a:latin typeface="Pretendard Light" panose="02000403000000020004" pitchFamily="50" charset="-127"/>
+                <a:ea typeface="Pretendard Light" panose="02000403000000020004" pitchFamily="50" charset="-127"/>
+                <a:cs typeface="Pretendard Light" panose="02000403000000020004" pitchFamily="50" charset="-127"/>
+              </a:rPr>
+              <a:t>에서는</a:t>
+            </a:r>
+            <a:r>
+              <a:rPr lang="ko-KR" altLang="en-US">
+                <a:solidFill>
+                  <a:schemeClr val="bg1"/>
+                </a:solidFill>
+                <a:latin typeface="Pretendard Black" panose="02000A03000000020004" pitchFamily="50" charset="-127"/>
+                <a:ea typeface="Pretendard Black" panose="02000A03000000020004" pitchFamily="50" charset="-127"/>
+                <a:cs typeface="Pretendard Black" panose="02000A03000000020004" pitchFamily="50" charset="-127"/>
+              </a:rPr>
+              <a:t> </a:t>
+            </a:r>
+            <a:r>
+              <a:rPr lang="ko-KR" altLang="en-US">
+                <a:solidFill>
+                  <a:srgbClr val="FF4654"/>
+                </a:solidFill>
+                <a:latin typeface="Pretendard Black" panose="02000A03000000020004" pitchFamily="50" charset="-127"/>
+                <a:ea typeface="Pretendard Black" panose="02000A03000000020004" pitchFamily="50" charset="-127"/>
+                <a:cs typeface="Pretendard Black" panose="02000A03000000020004" pitchFamily="50" charset="-127"/>
+              </a:rPr>
+              <a:t>발로란트</a:t>
+            </a:r>
+            <a:endParaRPr lang="en-US" altLang="ko-KR">
+              <a:solidFill>
+                <a:srgbClr val="FF4654"/>
+              </a:solidFill>
+              <a:latin typeface="Pretendard Black" panose="02000A03000000020004" pitchFamily="50" charset="-127"/>
+              <a:ea typeface="Pretendard Black" panose="02000A03000000020004" pitchFamily="50" charset="-127"/>
+              <a:cs typeface="Pretendard Black" panose="02000A03000000020004" pitchFamily="50" charset="-127"/>
+            </a:endParaRPr>
+          </a:p>
+          <a:p>
+            <a:r>
+              <a:rPr lang="ko-KR" altLang="en-US">
+                <a:solidFill>
+                  <a:schemeClr val="bg1"/>
+                </a:solidFill>
+                <a:latin typeface="Pretendard Light" panose="02000403000000020004" pitchFamily="50" charset="-127"/>
+                <a:ea typeface="Pretendard Light" panose="02000403000000020004" pitchFamily="50" charset="-127"/>
+                <a:cs typeface="Pretendard Light" panose="02000403000000020004" pitchFamily="50" charset="-127"/>
+              </a:rPr>
+              <a:t>그리고 </a:t>
+            </a:r>
+            <a:r>
+              <a:rPr lang="ko-KR" altLang="en-US">
+                <a:solidFill>
+                  <a:schemeClr val="bg1"/>
+                </a:solidFill>
+                <a:latin typeface="Pretendard Black" panose="02000A03000000020004" pitchFamily="50" charset="-127"/>
+                <a:ea typeface="Pretendard Black" panose="02000A03000000020004" pitchFamily="50" charset="-127"/>
+                <a:cs typeface="Pretendard Black" panose="02000A03000000020004" pitchFamily="50" charset="-127"/>
+              </a:rPr>
+              <a:t>운동</a:t>
+            </a:r>
+            <a:r>
+              <a:rPr lang="ko-KR" altLang="en-US">
+                <a:solidFill>
+                  <a:schemeClr val="bg1"/>
+                </a:solidFill>
+                <a:latin typeface="Pretendard Light" panose="02000403000000020004" pitchFamily="50" charset="-127"/>
+                <a:ea typeface="Pretendard Light" panose="02000403000000020004" pitchFamily="50" charset="-127"/>
+                <a:cs typeface="Pretendard Light" panose="02000403000000020004" pitchFamily="50" charset="-127"/>
+              </a:rPr>
+              <a:t>에서는</a:t>
+            </a:r>
+            <a:r>
+              <a:rPr lang="ko-KR" altLang="en-US">
+                <a:solidFill>
+                  <a:schemeClr val="bg1"/>
+                </a:solidFill>
+                <a:latin typeface="Pretendard Black" panose="02000A03000000020004" pitchFamily="50" charset="-127"/>
+                <a:ea typeface="Pretendard Black" panose="02000A03000000020004" pitchFamily="50" charset="-127"/>
+                <a:cs typeface="Pretendard Black" panose="02000A03000000020004" pitchFamily="50" charset="-127"/>
+              </a:rPr>
+              <a:t> 턱걸이 좋아합니다</a:t>
+            </a:r>
+            <a:r>
+              <a:rPr lang="en-US" altLang="ko-KR">
+                <a:solidFill>
+                  <a:schemeClr val="bg1"/>
+                </a:solidFill>
+                <a:latin typeface="Pretendard Light" panose="02000403000000020004" pitchFamily="50" charset="-127"/>
+                <a:ea typeface="Pretendard Light" panose="02000403000000020004" pitchFamily="50" charset="-127"/>
+                <a:cs typeface="Pretendard Light" panose="02000403000000020004" pitchFamily="50" charset="-127"/>
+              </a:rPr>
+              <a:t>.</a:t>
+            </a:r>
+          </a:p>
+        </p:txBody>
+      </p:sp>
+      <p:sp>
+        <p:nvSpPr>
+          <p:cNvPr id="10" name="TextBox 9">
+            <a:extLst>
+              <a:ext uri="{FF2B5EF4-FFF2-40B4-BE49-F238E27FC236}">
+                <a16:creationId xmlns:a16="http://schemas.microsoft.com/office/drawing/2014/main" id="{BBB89C92-BBA7-454B-8777-63A6DC040391}"/>
+              </a:ext>
+            </a:extLst>
+          </p:cNvPr>
+          <p:cNvSpPr txBox="1"/>
+          <p:nvPr/>
+        </p:nvSpPr>
+        <p:spPr>
+          <a:xfrm>
+            <a:off x="666750" y="3890666"/>
+            <a:ext cx="5811206" cy="1477328"/>
+          </a:xfrm>
+          <a:prstGeom prst="rect">
+            <a:avLst/>
+          </a:prstGeom>
+          <a:noFill/>
+        </p:spPr>
+        <p:txBody>
+          <a:bodyPr wrap="none" rtlCol="0">
+            <a:spAutoFit/>
+          </a:bodyPr>
+          <a:lstStyle/>
+          <a:p>
+            <a:r>
+              <a:rPr lang="ko-KR" altLang="en-US">
+                <a:solidFill>
+                  <a:schemeClr val="bg1"/>
+                </a:solidFill>
+                <a:latin typeface="Pretendard Black" panose="02000A03000000020004" pitchFamily="50" charset="-127"/>
+                <a:ea typeface="Pretendard Black" panose="02000A03000000020004" pitchFamily="50" charset="-127"/>
+                <a:cs typeface="Pretendard Black" panose="02000A03000000020004" pitchFamily="50" charset="-127"/>
+              </a:rPr>
+              <a:t>오</a:t>
+            </a:r>
+            <a:r>
+              <a:rPr lang="en-US" altLang="ko-KR">
+                <a:solidFill>
+                  <a:schemeClr val="bg1"/>
+                </a:solidFill>
+                <a:latin typeface="Pretendard Black" panose="02000A03000000020004" pitchFamily="50" charset="-127"/>
+                <a:ea typeface="Pretendard Black" panose="02000A03000000020004" pitchFamily="50" charset="-127"/>
+                <a:cs typeface="Pretendard Black" panose="02000A03000000020004" pitchFamily="50" charset="-127"/>
+              </a:rPr>
+              <a:t>! </a:t>
+            </a:r>
+            <a:r>
+              <a:rPr lang="ko-KR" altLang="en-US">
+                <a:solidFill>
+                  <a:schemeClr val="bg1"/>
+                </a:solidFill>
+                <a:latin typeface="Pretendard Black" panose="02000A03000000020004" pitchFamily="50" charset="-127"/>
+                <a:ea typeface="Pretendard Black" panose="02000A03000000020004" pitchFamily="50" charset="-127"/>
+                <a:cs typeface="Pretendard Black" panose="02000A03000000020004" pitchFamily="50" charset="-127"/>
+              </a:rPr>
+              <a:t>발로란트</a:t>
+            </a:r>
+            <a:r>
+              <a:rPr lang="en-US" altLang="ko-KR">
+                <a:solidFill>
+                  <a:schemeClr val="bg1"/>
+                </a:solidFill>
+                <a:latin typeface="Pretendard Light" panose="02000403000000020004" pitchFamily="50" charset="-127"/>
+                <a:ea typeface="Pretendard Light" panose="02000403000000020004" pitchFamily="50" charset="-127"/>
+                <a:cs typeface="Pretendard Light" panose="02000403000000020004" pitchFamily="50" charset="-127"/>
+              </a:rPr>
+              <a:t>,</a:t>
+            </a:r>
+          </a:p>
+          <a:p>
+            <a:r>
+              <a:rPr lang="ko-KR" altLang="en-US" sz="3600">
+                <a:solidFill>
+                  <a:schemeClr val="bg1"/>
+                </a:solidFill>
+                <a:latin typeface="Pretendard Black" panose="02000A03000000020004" pitchFamily="50" charset="-127"/>
+                <a:ea typeface="Pretendard Black" panose="02000A03000000020004" pitchFamily="50" charset="-127"/>
+                <a:cs typeface="Pretendard Black" panose="02000A03000000020004" pitchFamily="50" charset="-127"/>
+              </a:rPr>
+              <a:t>발로란트라는 게임</a:t>
+            </a:r>
+            <a:r>
+              <a:rPr lang="ko-KR" altLang="en-US" sz="3600">
+                <a:solidFill>
+                  <a:schemeClr val="bg1"/>
+                </a:solidFill>
+                <a:latin typeface="Pretendard Light" panose="02000403000000020004" pitchFamily="50" charset="-127"/>
+                <a:ea typeface="Pretendard Light" panose="02000403000000020004" pitchFamily="50" charset="-127"/>
+                <a:cs typeface="Pretendard Light" panose="02000403000000020004" pitchFamily="50" charset="-127"/>
+              </a:rPr>
+              <a:t>을</a:t>
+            </a:r>
+            <a:endParaRPr lang="en-US" altLang="ko-KR" sz="3600">
+              <a:solidFill>
+                <a:schemeClr val="bg1"/>
+              </a:solidFill>
+              <a:latin typeface="Pretendard Light" panose="02000403000000020004" pitchFamily="50" charset="-127"/>
+              <a:ea typeface="Pretendard Light" panose="02000403000000020004" pitchFamily="50" charset="-127"/>
+              <a:cs typeface="Pretendard Light" panose="02000403000000020004" pitchFamily="50" charset="-127"/>
+            </a:endParaRPr>
+          </a:p>
+          <a:p>
+            <a:r>
+              <a:rPr lang="ko-KR" altLang="en-US" sz="3600">
+                <a:solidFill>
+                  <a:schemeClr val="bg1"/>
+                </a:solidFill>
+                <a:latin typeface="Pretendard Black" panose="02000A03000000020004" pitchFamily="50" charset="-127"/>
+                <a:ea typeface="Pretendard Black" panose="02000A03000000020004" pitchFamily="50" charset="-127"/>
+                <a:cs typeface="Pretendard Black" panose="02000A03000000020004" pitchFamily="50" charset="-127"/>
+              </a:rPr>
+              <a:t>좋아하시는 이유</a:t>
+            </a:r>
+            <a:r>
+              <a:rPr lang="ko-KR" altLang="en-US" sz="3600">
+                <a:solidFill>
+                  <a:schemeClr val="bg1"/>
+                </a:solidFill>
+                <a:latin typeface="Pretendard Light" panose="02000403000000020004" pitchFamily="50" charset="-127"/>
+                <a:ea typeface="Pretendard Light" panose="02000403000000020004" pitchFamily="50" charset="-127"/>
+                <a:cs typeface="Pretendard Light" panose="02000403000000020004" pitchFamily="50" charset="-127"/>
+              </a:rPr>
+              <a:t>가 있으신가요</a:t>
+            </a:r>
+            <a:r>
+              <a:rPr lang="en-US" altLang="ko-KR" sz="3600">
+                <a:solidFill>
+                  <a:schemeClr val="bg1"/>
+                </a:solidFill>
+                <a:latin typeface="Pretendard Light" panose="02000403000000020004" pitchFamily="50" charset="-127"/>
+                <a:ea typeface="Pretendard Light" panose="02000403000000020004" pitchFamily="50" charset="-127"/>
+                <a:cs typeface="Pretendard Light" panose="02000403000000020004" pitchFamily="50" charset="-127"/>
+              </a:rPr>
+              <a:t>?</a:t>
+            </a:r>
+          </a:p>
+        </p:txBody>
+      </p:sp>
+      <p:pic>
+        <p:nvPicPr>
+          <p:cNvPr id="4" name="Picture 2" descr="Flexed Biceps on Apple iOS 16.4">
+            <a:extLst>
+              <a:ext uri="{FF2B5EF4-FFF2-40B4-BE49-F238E27FC236}">
+                <a16:creationId xmlns:a16="http://schemas.microsoft.com/office/drawing/2014/main" id="{D11A7062-6EDE-45DC-95B7-7259694906F8}"/>
+              </a:ext>
+            </a:extLst>
+          </p:cNvPr>
+          <p:cNvPicPr>
+            <a:picLocks noChangeAspect="1" noChangeArrowheads="1"/>
+          </p:cNvPicPr>
+          <p:nvPr/>
+        </p:nvPicPr>
+        <p:blipFill>
+          <a:blip r:embed="rId2">
+            <a:extLst>
+              <a:ext uri="{28A0092B-C50C-407E-A947-70E740481C1C}">
+                <a14:useLocalDpi xmlns:a14="http://schemas.microsoft.com/office/drawing/2010/main" val="0"/>
+              </a:ext>
+            </a:extLst>
+          </a:blip>
+          <a:srcRect/>
+          <a:stretch>
+            <a:fillRect/>
+          </a:stretch>
+        </p:blipFill>
+        <p:spPr bwMode="auto">
+          <a:xfrm>
+            <a:off x="8165247" y="666750"/>
+            <a:ext cx="376405" cy="376405"/>
+          </a:xfrm>
+          <a:prstGeom prst="rect">
+            <a:avLst/>
+          </a:prstGeom>
+          <a:noFill/>
+          <a:extLst>
+            <a:ext uri="{909E8E84-426E-40DD-AFC4-6F175D3DCCD1}">
+              <a14:hiddenFill xmlns:a14="http://schemas.microsoft.com/office/drawing/2010/main">
+                <a:solidFill>
+                  <a:srgbClr val="FFFFFF"/>
+                </a:solidFill>
+              </a14:hiddenFill>
+            </a:ext>
+          </a:extLst>
+        </p:spPr>
+      </p:pic>
+      <p:pic>
+        <p:nvPicPr>
+          <p:cNvPr id="1028" name="Picture 4" descr="Video Game on Apple iOS 16.4">
+            <a:extLst>
+              <a:ext uri="{FF2B5EF4-FFF2-40B4-BE49-F238E27FC236}">
+                <a16:creationId xmlns:a16="http://schemas.microsoft.com/office/drawing/2014/main" id="{3BEE3740-BCA1-4E11-A634-0670079780AC}"/>
+              </a:ext>
+            </a:extLst>
+          </p:cNvPr>
+          <p:cNvPicPr>
+            <a:picLocks noChangeAspect="1" noChangeArrowheads="1"/>
+          </p:cNvPicPr>
+          <p:nvPr/>
+        </p:nvPicPr>
+        <p:blipFill>
+          <a:blip r:embed="rId3">
+            <a:extLst>
+              <a:ext uri="{28A0092B-C50C-407E-A947-70E740481C1C}">
+                <a14:useLocalDpi xmlns:a14="http://schemas.microsoft.com/office/drawing/2010/main" val="0"/>
+              </a:ext>
+            </a:extLst>
+          </a:blip>
+          <a:srcRect/>
+          <a:stretch>
+            <a:fillRect/>
+          </a:stretch>
+        </p:blipFill>
+        <p:spPr bwMode="auto">
+          <a:xfrm>
+            <a:off x="6934033" y="655472"/>
+            <a:ext cx="376405" cy="376405"/>
+          </a:xfrm>
+          <a:prstGeom prst="rect">
+            <a:avLst/>
+          </a:prstGeom>
+          <a:noFill/>
+          <a:extLst>
+            <a:ext uri="{909E8E84-426E-40DD-AFC4-6F175D3DCCD1}">
+              <a14:hiddenFill xmlns:a14="http://schemas.microsoft.com/office/drawing/2010/main">
+                <a:solidFill>
+                  <a:srgbClr val="FFFFFF"/>
+                </a:solidFill>
+              </a14:hiddenFill>
+            </a:ext>
+          </a:extLst>
+        </p:spPr>
+      </p:pic>
+      <p:pic>
+        <p:nvPicPr>
+          <p:cNvPr id="8" name="그림 7">
+            <a:extLst>
+              <a:ext uri="{FF2B5EF4-FFF2-40B4-BE49-F238E27FC236}">
+                <a16:creationId xmlns:a16="http://schemas.microsoft.com/office/drawing/2014/main" id="{45112297-0C75-4697-81B6-1C3712C6B007}"/>
+              </a:ext>
+            </a:extLst>
+          </p:cNvPr>
+          <p:cNvPicPr>
+            <a:picLocks noChangeAspect="1"/>
+          </p:cNvPicPr>
+          <p:nvPr/>
+        </p:nvPicPr>
+        <p:blipFill>
+          <a:blip r:embed="rId4">
+            <a:extLst>
+              <a:ext uri="{28A0092B-C50C-407E-A947-70E740481C1C}">
+                <a14:useLocalDpi xmlns:a14="http://schemas.microsoft.com/office/drawing/2010/main" val="0"/>
+              </a:ext>
+            </a:extLst>
+          </a:blip>
+          <a:stretch>
+            <a:fillRect/>
+          </a:stretch>
+        </p:blipFill>
+        <p:spPr>
+          <a:xfrm>
+            <a:off x="8309620" y="1975805"/>
+            <a:ext cx="464063" cy="464063"/>
+          </a:xfrm>
+          <a:prstGeom prst="rect">
+            <a:avLst/>
+          </a:prstGeom>
+        </p:spPr>
+      </p:pic>
+      <p:sp>
+        <p:nvSpPr>
+          <p:cNvPr id="14" name="TextBox 13">
+            <a:extLst>
+              <a:ext uri="{FF2B5EF4-FFF2-40B4-BE49-F238E27FC236}">
+                <a16:creationId xmlns:a16="http://schemas.microsoft.com/office/drawing/2014/main" id="{B2E8DB89-EA40-4503-ACFD-5B1690B727A1}"/>
+              </a:ext>
+            </a:extLst>
+          </p:cNvPr>
+          <p:cNvSpPr txBox="1"/>
+          <p:nvPr/>
+        </p:nvSpPr>
+        <p:spPr>
+          <a:xfrm>
+            <a:off x="6409747" y="3886461"/>
+            <a:ext cx="4807726" cy="923330"/>
+          </a:xfrm>
+          <a:prstGeom prst="rect">
+            <a:avLst/>
+          </a:prstGeom>
+          <a:noFill/>
+        </p:spPr>
+        <p:txBody>
+          <a:bodyPr wrap="none" rtlCol="0">
+            <a:spAutoFit/>
+          </a:bodyPr>
+          <a:lstStyle/>
+          <a:p>
+            <a:r>
+              <a:rPr lang="ko-KR" altLang="en-US">
+                <a:solidFill>
+                  <a:schemeClr val="bg1"/>
+                </a:solidFill>
+                <a:latin typeface="Pretendard Black" panose="02000A03000000020004" pitchFamily="50" charset="-127"/>
+                <a:ea typeface="Pretendard Black" panose="02000A03000000020004" pitchFamily="50" charset="-127"/>
+                <a:cs typeface="Pretendard Black" panose="02000A03000000020004" pitchFamily="50" charset="-127"/>
+              </a:rPr>
+              <a:t>제 형</a:t>
+            </a:r>
+            <a:r>
+              <a:rPr lang="ko-KR" altLang="en-US">
+                <a:solidFill>
+                  <a:schemeClr val="bg1"/>
+                </a:solidFill>
+                <a:latin typeface="Pretendard Light" panose="02000403000000020004" pitchFamily="50" charset="-127"/>
+                <a:ea typeface="Pretendard Light" panose="02000403000000020004" pitchFamily="50" charset="-127"/>
+                <a:cs typeface="Pretendard Light" panose="02000403000000020004" pitchFamily="50" charset="-127"/>
+              </a:rPr>
+              <a:t>이 </a:t>
+            </a:r>
+            <a:r>
+              <a:rPr lang="ko-KR" altLang="en-US">
+                <a:solidFill>
+                  <a:schemeClr val="bg1"/>
+                </a:solidFill>
+                <a:latin typeface="Pretendard Black" panose="02000A03000000020004" pitchFamily="50" charset="-127"/>
+                <a:ea typeface="Pretendard Black" panose="02000A03000000020004" pitchFamily="50" charset="-127"/>
+                <a:cs typeface="Pretendard Black" panose="02000A03000000020004" pitchFamily="50" charset="-127"/>
+              </a:rPr>
+              <a:t>옛날에 했던 게임</a:t>
+            </a:r>
+            <a:r>
+              <a:rPr lang="ko-KR" altLang="en-US">
+                <a:solidFill>
+                  <a:schemeClr val="bg1"/>
+                </a:solidFill>
+                <a:latin typeface="Pretendard Light" panose="02000403000000020004" pitchFamily="50" charset="-127"/>
+                <a:ea typeface="Pretendard Light" panose="02000403000000020004" pitchFamily="50" charset="-127"/>
+                <a:cs typeface="Pretendard Light" panose="02000403000000020004" pitchFamily="50" charset="-127"/>
+              </a:rPr>
+              <a:t>입니다</a:t>
+            </a:r>
+            <a:r>
+              <a:rPr lang="en-US" altLang="ko-KR">
+                <a:solidFill>
+                  <a:schemeClr val="bg1"/>
+                </a:solidFill>
+                <a:latin typeface="Pretendard Light" panose="02000403000000020004" pitchFamily="50" charset="-127"/>
+                <a:ea typeface="Pretendard Light" panose="02000403000000020004" pitchFamily="50" charset="-127"/>
+                <a:cs typeface="Pretendard Light" panose="02000403000000020004" pitchFamily="50" charset="-127"/>
+              </a:rPr>
+              <a:t>. </a:t>
+            </a:r>
+            <a:r>
+              <a:rPr lang="ko-KR" altLang="en-US">
+                <a:solidFill>
+                  <a:schemeClr val="bg1"/>
+                </a:solidFill>
+                <a:latin typeface="Pretendard Light" panose="02000403000000020004" pitchFamily="50" charset="-127"/>
+                <a:ea typeface="Pretendard Light" panose="02000403000000020004" pitchFamily="50" charset="-127"/>
+                <a:cs typeface="Pretendard Light" panose="02000403000000020004" pitchFamily="50" charset="-127"/>
+              </a:rPr>
+              <a:t>그래서 익숙했고요</a:t>
+            </a:r>
+            <a:r>
+              <a:rPr lang="en-US" altLang="ko-KR">
+                <a:solidFill>
+                  <a:schemeClr val="bg1"/>
+                </a:solidFill>
+                <a:latin typeface="Pretendard Light" panose="02000403000000020004" pitchFamily="50" charset="-127"/>
+                <a:ea typeface="Pretendard Light" panose="02000403000000020004" pitchFamily="50" charset="-127"/>
+                <a:cs typeface="Pretendard Light" panose="02000403000000020004" pitchFamily="50" charset="-127"/>
+              </a:rPr>
+              <a:t>.</a:t>
+            </a:r>
+          </a:p>
+          <a:p>
+            <a:r>
+              <a:rPr lang="ko-KR" altLang="en-US">
+                <a:solidFill>
+                  <a:schemeClr val="bg1"/>
+                </a:solidFill>
+                <a:latin typeface="Pretendard Light" panose="02000403000000020004" pitchFamily="50" charset="-127"/>
+                <a:ea typeface="Pretendard Light" panose="02000403000000020004" pitchFamily="50" charset="-127"/>
+                <a:cs typeface="Pretendard Light" panose="02000403000000020004" pitchFamily="50" charset="-127"/>
+              </a:rPr>
+              <a:t>그리고</a:t>
+            </a:r>
+            <a:r>
+              <a:rPr lang="en-US" altLang="ko-KR">
+                <a:solidFill>
+                  <a:schemeClr val="bg1"/>
+                </a:solidFill>
+                <a:latin typeface="Pretendard Light" panose="02000403000000020004" pitchFamily="50" charset="-127"/>
+                <a:ea typeface="Pretendard Light" panose="02000403000000020004" pitchFamily="50" charset="-127"/>
+                <a:cs typeface="Pretendard Light" panose="02000403000000020004" pitchFamily="50" charset="-127"/>
+              </a:rPr>
+              <a:t>, </a:t>
+            </a:r>
+            <a:r>
+              <a:rPr lang="ko-KR" altLang="en-US">
+                <a:solidFill>
+                  <a:schemeClr val="bg1"/>
+                </a:solidFill>
+                <a:latin typeface="Pretendard Black" panose="02000A03000000020004" pitchFamily="50" charset="-127"/>
+                <a:ea typeface="Pretendard Black" panose="02000A03000000020004" pitchFamily="50" charset="-127"/>
+                <a:cs typeface="Pretendard Black" panose="02000A03000000020004" pitchFamily="50" charset="-127"/>
+              </a:rPr>
+              <a:t>친구들도 많이 했던 게임</a:t>
+            </a:r>
+            <a:r>
+              <a:rPr lang="ko-KR" altLang="en-US">
+                <a:solidFill>
+                  <a:schemeClr val="bg1"/>
+                </a:solidFill>
+                <a:latin typeface="Pretendard Light" panose="02000403000000020004" pitchFamily="50" charset="-127"/>
+                <a:ea typeface="Pretendard Light" panose="02000403000000020004" pitchFamily="50" charset="-127"/>
+                <a:cs typeface="Pretendard Light" panose="02000403000000020004" pitchFamily="50" charset="-127"/>
+              </a:rPr>
+              <a:t>이다 보니</a:t>
+            </a:r>
+            <a:endParaRPr lang="en-US" altLang="ko-KR">
+              <a:solidFill>
+                <a:schemeClr val="bg1"/>
+              </a:solidFill>
+              <a:latin typeface="Pretendard Light" panose="02000403000000020004" pitchFamily="50" charset="-127"/>
+              <a:ea typeface="Pretendard Light" panose="02000403000000020004" pitchFamily="50" charset="-127"/>
+              <a:cs typeface="Pretendard Light" panose="02000403000000020004" pitchFamily="50" charset="-127"/>
+            </a:endParaRPr>
+          </a:p>
+          <a:p>
+            <a:r>
+              <a:rPr lang="ko-KR" altLang="en-US">
+                <a:solidFill>
+                  <a:schemeClr val="bg1"/>
+                </a:solidFill>
+                <a:latin typeface="Pretendard Black" panose="02000A03000000020004" pitchFamily="50" charset="-127"/>
+                <a:ea typeface="Pretendard Black" panose="02000A03000000020004" pitchFamily="50" charset="-127"/>
+                <a:cs typeface="Pretendard Black" panose="02000A03000000020004" pitchFamily="50" charset="-127"/>
+              </a:rPr>
+              <a:t>시작하게 된 것 </a:t>
+            </a:r>
+            <a:r>
+              <a:rPr lang="ko-KR" altLang="en-US">
+                <a:solidFill>
+                  <a:schemeClr val="bg1"/>
+                </a:solidFill>
+                <a:latin typeface="Pretendard Light" panose="02000403000000020004" pitchFamily="50" charset="-127"/>
+                <a:ea typeface="Pretendard Light" panose="02000403000000020004" pitchFamily="50" charset="-127"/>
+                <a:cs typeface="Pretendard Light" panose="02000403000000020004" pitchFamily="50" charset="-127"/>
+              </a:rPr>
+              <a:t>같아요</a:t>
+            </a:r>
+            <a:r>
+              <a:rPr lang="en-US" altLang="ko-KR">
+                <a:solidFill>
+                  <a:schemeClr val="bg1"/>
+                </a:solidFill>
+                <a:latin typeface="Pretendard Light" panose="02000403000000020004" pitchFamily="50" charset="-127"/>
+                <a:ea typeface="Pretendard Light" panose="02000403000000020004" pitchFamily="50" charset="-127"/>
+                <a:cs typeface="Pretendard Light" panose="02000403000000020004" pitchFamily="50" charset="-127"/>
+              </a:rPr>
+              <a:t>.</a:t>
+            </a:r>
+          </a:p>
+        </p:txBody>
+      </p:sp>
+      <p:pic>
+        <p:nvPicPr>
+          <p:cNvPr id="9" name="그림 8">
+            <a:extLst>
+              <a:ext uri="{FF2B5EF4-FFF2-40B4-BE49-F238E27FC236}">
+                <a16:creationId xmlns:a16="http://schemas.microsoft.com/office/drawing/2014/main" id="{E5FAFBC1-D517-40FD-ABD8-32E596B2632E}"/>
+              </a:ext>
+            </a:extLst>
+          </p:cNvPr>
+          <p:cNvPicPr>
+            <a:picLocks noChangeAspect="1"/>
+          </p:cNvPicPr>
+          <p:nvPr/>
+        </p:nvPicPr>
+        <p:blipFill>
+          <a:blip r:embed="rId5">
+            <a:extLst>
+              <a:ext uri="{28A0092B-C50C-407E-A947-70E740481C1C}">
+                <a14:useLocalDpi xmlns:a14="http://schemas.microsoft.com/office/drawing/2010/main" val="0"/>
+              </a:ext>
+            </a:extLst>
+          </a:blip>
+          <a:stretch>
+            <a:fillRect/>
+          </a:stretch>
+        </p:blipFill>
+        <p:spPr>
+          <a:xfrm>
+            <a:off x="10828699" y="5788419"/>
+            <a:ext cx="1363301" cy="1069581"/>
+          </a:xfrm>
+          <a:prstGeom prst="rect">
+            <a:avLst/>
+          </a:prstGeom>
+        </p:spPr>
+      </p:pic>
+    </p:spTree>
+    <p:extLst>
+      <p:ext uri="{BB962C8B-B14F-4D97-AF65-F5344CB8AC3E}">
+        <p14:creationId xmlns:p14="http://schemas.microsoft.com/office/powerpoint/2010/main" val="1104134150"/>
+      </p:ext>
+    </p:extLst>
+  </p:cSld>
+  <p:clrMapOvr>
+    <a:masterClrMapping/>
+  </p:clrMapOvr>
+</p:sld>
+</file>
+
+<file path=ppt/slides/slide5.xml><?xml version="1.0" encoding="utf-8"?>
+<p:sld xmlns:a="http://schemas.openxmlformats.org/drawingml/2006/main" xmlns:r="http://schemas.openxmlformats.org/officeDocument/2006/relationships" xmlns:p="http://schemas.openxmlformats.org/presentationml/2006/main">
+  <p:cSld>
+    <p:bg>
+      <p:bgPr>
+        <a:solidFill>
+          <a:schemeClr val="tx1"/>
+        </a:solidFill>
+        <a:effectLst/>
+      </p:bgPr>
+    </p:bg>
+    <p:spTree>
+      <p:nvGrpSpPr>
+        <p:cNvPr id="1" name=""/>
+        <p:cNvGrpSpPr/>
+        <p:nvPr/>
+      </p:nvGrpSpPr>
+      <p:grpSpPr>
+        <a:xfrm>
+          <a:off x="0" y="0"/>
+          <a:ext cx="0" cy="0"/>
+          <a:chOff x="0" y="0"/>
+          <a:chExt cx="0" cy="0"/>
+        </a:xfrm>
+      </p:grpSpPr>
+      <p:sp>
+        <p:nvSpPr>
+          <p:cNvPr id="2" name="TextBox 1">
+            <a:extLst>
+              <a:ext uri="{FF2B5EF4-FFF2-40B4-BE49-F238E27FC236}">
+                <a16:creationId xmlns:a16="http://schemas.microsoft.com/office/drawing/2014/main" id="{DCEB6698-DE1A-4802-8FAB-395563E59118}"/>
+              </a:ext>
+            </a:extLst>
+          </p:cNvPr>
+          <p:cNvSpPr txBox="1"/>
+          <p:nvPr/>
+        </p:nvSpPr>
+        <p:spPr>
+          <a:xfrm>
+            <a:off x="666750" y="666750"/>
+            <a:ext cx="5176417" cy="1477328"/>
+          </a:xfrm>
+          <a:prstGeom prst="rect">
+            <a:avLst/>
+          </a:prstGeom>
+          <a:noFill/>
+        </p:spPr>
+        <p:txBody>
+          <a:bodyPr wrap="none" rtlCol="0">
+            <a:spAutoFit/>
+          </a:bodyPr>
+          <a:lstStyle/>
+          <a:p>
+            <a:r>
+              <a:rPr lang="ko-KR" altLang="en-US">
+                <a:solidFill>
+                  <a:schemeClr val="bg1"/>
+                </a:solidFill>
+                <a:latin typeface="Pretendard Light" panose="02000403000000020004" pitchFamily="50" charset="-127"/>
+                <a:ea typeface="Pretendard Light" panose="02000403000000020004" pitchFamily="50" charset="-127"/>
+                <a:cs typeface="Pretendard Light" panose="02000403000000020004" pitchFamily="50" charset="-127"/>
+              </a:rPr>
+              <a:t>음</a:t>
+            </a:r>
+            <a:r>
+              <a:rPr lang="en-US" altLang="ko-KR">
+                <a:solidFill>
+                  <a:schemeClr val="bg1"/>
+                </a:solidFill>
+                <a:latin typeface="Pretendard Light" panose="02000403000000020004" pitchFamily="50" charset="-127"/>
+                <a:ea typeface="Pretendard Light" panose="02000403000000020004" pitchFamily="50" charset="-127"/>
+                <a:cs typeface="Pretendard Light" panose="02000403000000020004" pitchFamily="50" charset="-127"/>
+              </a:rPr>
+              <a:t>, </a:t>
+            </a:r>
+            <a:r>
+              <a:rPr lang="ko-KR" altLang="en-US">
+                <a:solidFill>
+                  <a:schemeClr val="bg1"/>
+                </a:solidFill>
+                <a:latin typeface="Pretendard Light" panose="02000403000000020004" pitchFamily="50" charset="-127"/>
+                <a:ea typeface="Pretendard Light" panose="02000403000000020004" pitchFamily="50" charset="-127"/>
+                <a:cs typeface="Pretendard Light" panose="02000403000000020004" pitchFamily="50" charset="-127"/>
+              </a:rPr>
+              <a:t>그러면</a:t>
+            </a:r>
+            <a:endParaRPr lang="en-US" altLang="ko-KR">
+              <a:solidFill>
+                <a:schemeClr val="bg1"/>
+              </a:solidFill>
+              <a:latin typeface="Pretendard Light" panose="02000403000000020004" pitchFamily="50" charset="-127"/>
+              <a:ea typeface="Pretendard Light" panose="02000403000000020004" pitchFamily="50" charset="-127"/>
+              <a:cs typeface="Pretendard Light" panose="02000403000000020004" pitchFamily="50" charset="-127"/>
+            </a:endParaRPr>
+          </a:p>
+          <a:p>
+            <a:r>
+              <a:rPr lang="ko-KR" altLang="en-US" sz="3600">
+                <a:solidFill>
+                  <a:schemeClr val="bg1"/>
+                </a:solidFill>
+                <a:latin typeface="Pretendard Black" panose="02000A03000000020004" pitchFamily="50" charset="-127"/>
+                <a:ea typeface="Pretendard Black" panose="02000A03000000020004" pitchFamily="50" charset="-127"/>
+                <a:cs typeface="Pretendard Black" panose="02000A03000000020004" pitchFamily="50" charset="-127"/>
+              </a:rPr>
+              <a:t>좋아하시는 발로란트 요원이</a:t>
+            </a:r>
+            <a:endParaRPr lang="en-US" altLang="ko-KR" sz="3600">
+              <a:solidFill>
+                <a:schemeClr val="bg1"/>
+              </a:solidFill>
+              <a:latin typeface="Pretendard Black" panose="02000A03000000020004" pitchFamily="50" charset="-127"/>
+              <a:ea typeface="Pretendard Black" panose="02000A03000000020004" pitchFamily="50" charset="-127"/>
+              <a:cs typeface="Pretendard Black" panose="02000A03000000020004" pitchFamily="50" charset="-127"/>
+            </a:endParaRPr>
+          </a:p>
+          <a:p>
+            <a:r>
+              <a:rPr lang="ko-KR" altLang="en-US" sz="3600">
+                <a:solidFill>
+                  <a:schemeClr val="bg1"/>
+                </a:solidFill>
+                <a:latin typeface="Pretendard Black" panose="02000A03000000020004" pitchFamily="50" charset="-127"/>
+                <a:ea typeface="Pretendard Black" panose="02000A03000000020004" pitchFamily="50" charset="-127"/>
+                <a:cs typeface="Pretendard Black" panose="02000A03000000020004" pitchFamily="50" charset="-127"/>
+              </a:rPr>
+              <a:t>있으신가요</a:t>
+            </a:r>
+            <a:r>
+              <a:rPr lang="en-US" altLang="ko-KR" sz="3600">
+                <a:solidFill>
+                  <a:schemeClr val="bg1"/>
+                </a:solidFill>
+                <a:latin typeface="Pretendard Black" panose="02000A03000000020004" pitchFamily="50" charset="-127"/>
+                <a:ea typeface="Pretendard Black" panose="02000A03000000020004" pitchFamily="50" charset="-127"/>
+                <a:cs typeface="Pretendard Black" panose="02000A03000000020004" pitchFamily="50" charset="-127"/>
+              </a:rPr>
+              <a:t>?</a:t>
+            </a:r>
+            <a:endParaRPr lang="en-US" altLang="ko-KR" sz="3600">
+              <a:solidFill>
+                <a:schemeClr val="bg1"/>
+              </a:solidFill>
+              <a:latin typeface="Pretendard Light" panose="02000403000000020004" pitchFamily="50" charset="-127"/>
+              <a:ea typeface="Pretendard Light" panose="02000403000000020004" pitchFamily="50" charset="-127"/>
+              <a:cs typeface="Pretendard Light" panose="02000403000000020004" pitchFamily="50" charset="-127"/>
+            </a:endParaRPr>
+          </a:p>
+        </p:txBody>
+      </p:sp>
+      <p:sp>
+        <p:nvSpPr>
+          <p:cNvPr id="3" name="TextBox 2">
+            <a:extLst>
+              <a:ext uri="{FF2B5EF4-FFF2-40B4-BE49-F238E27FC236}">
+                <a16:creationId xmlns:a16="http://schemas.microsoft.com/office/drawing/2014/main" id="{118BAAA4-6E64-48FA-8574-144D381EFEC3}"/>
+              </a:ext>
+            </a:extLst>
+          </p:cNvPr>
+          <p:cNvSpPr txBox="1"/>
+          <p:nvPr/>
+        </p:nvSpPr>
+        <p:spPr>
+          <a:xfrm>
+            <a:off x="6409747" y="666750"/>
+            <a:ext cx="3845925" cy="923330"/>
+          </a:xfrm>
+          <a:prstGeom prst="rect">
+            <a:avLst/>
+          </a:prstGeom>
+          <a:noFill/>
+        </p:spPr>
+        <p:txBody>
+          <a:bodyPr wrap="none" rtlCol="0">
+            <a:spAutoFit/>
+          </a:bodyPr>
+          <a:lstStyle/>
+          <a:p>
+            <a:r>
+              <a:rPr lang="ko-KR" altLang="en-US">
+                <a:blipFill>
+                  <a:blip r:embed="rId2"/>
+                  <a:stretch>
+                    <a:fillRect/>
+                  </a:stretch>
+                </a:blipFill>
+                <a:latin typeface="Pretendard Black" panose="02000A03000000020004" pitchFamily="50" charset="-127"/>
+                <a:ea typeface="Pretendard Black" panose="02000A03000000020004" pitchFamily="50" charset="-127"/>
+                <a:cs typeface="Pretendard Black" panose="02000A03000000020004" pitchFamily="50" charset="-127"/>
+              </a:rPr>
+              <a:t>제트</a:t>
+            </a:r>
+            <a:r>
+              <a:rPr lang="ko-KR" altLang="en-US">
+                <a:solidFill>
+                  <a:schemeClr val="bg1"/>
+                </a:solidFill>
+                <a:latin typeface="Pretendard Light" panose="02000403000000020004" pitchFamily="50" charset="-127"/>
+                <a:ea typeface="Pretendard Light" panose="02000403000000020004" pitchFamily="50" charset="-127"/>
+                <a:cs typeface="Pretendard Light" panose="02000403000000020004" pitchFamily="50" charset="-127"/>
+              </a:rPr>
+              <a:t>와 </a:t>
+            </a:r>
+            <a:r>
+              <a:rPr lang="ko-KR" altLang="en-US">
+                <a:blipFill>
+                  <a:blip r:embed="rId3"/>
+                  <a:stretch>
+                    <a:fillRect/>
+                  </a:stretch>
+                </a:blipFill>
+                <a:latin typeface="Pretendard Black" panose="02000A03000000020004" pitchFamily="50" charset="-127"/>
+                <a:ea typeface="Pretendard Black" panose="02000A03000000020004" pitchFamily="50" charset="-127"/>
+                <a:cs typeface="Pretendard Black" panose="02000A03000000020004" pitchFamily="50" charset="-127"/>
+              </a:rPr>
+              <a:t>세이지</a:t>
+            </a:r>
+            <a:r>
+              <a:rPr lang="ko-KR" altLang="en-US">
+                <a:solidFill>
+                  <a:schemeClr val="bg1"/>
+                </a:solidFill>
+                <a:latin typeface="Pretendard Light" panose="02000403000000020004" pitchFamily="50" charset="-127"/>
+                <a:ea typeface="Pretendard Light" panose="02000403000000020004" pitchFamily="50" charset="-127"/>
+                <a:cs typeface="Pretendard Light" panose="02000403000000020004" pitchFamily="50" charset="-127"/>
+              </a:rPr>
+              <a:t>라는 요원을 좋아합니다</a:t>
+            </a:r>
+            <a:r>
+              <a:rPr lang="en-US" altLang="ko-KR">
+                <a:solidFill>
+                  <a:schemeClr val="bg1"/>
+                </a:solidFill>
+                <a:latin typeface="Pretendard Light" panose="02000403000000020004" pitchFamily="50" charset="-127"/>
+                <a:ea typeface="Pretendard Light" panose="02000403000000020004" pitchFamily="50" charset="-127"/>
+                <a:cs typeface="Pretendard Light" panose="02000403000000020004" pitchFamily="50" charset="-127"/>
+              </a:rPr>
+              <a:t>.</a:t>
+            </a:r>
+          </a:p>
+          <a:p>
+            <a:r>
+              <a:rPr lang="ko-KR" altLang="en-US">
+                <a:solidFill>
+                  <a:schemeClr val="bg1"/>
+                </a:solidFill>
+                <a:latin typeface="Pretendard Black" panose="02000A03000000020004" pitchFamily="50" charset="-127"/>
+                <a:ea typeface="Pretendard Black" panose="02000A03000000020004" pitchFamily="50" charset="-127"/>
+                <a:cs typeface="Pretendard Black" panose="02000A03000000020004" pitchFamily="50" charset="-127"/>
+              </a:rPr>
+              <a:t>제트는 시작했을 즈음부터 썼던 요원</a:t>
+            </a:r>
+            <a:r>
+              <a:rPr lang="ko-KR" altLang="en-US">
+                <a:solidFill>
+                  <a:schemeClr val="bg1"/>
+                </a:solidFill>
+                <a:latin typeface="Pretendard Light" panose="02000403000000020004" pitchFamily="50" charset="-127"/>
+                <a:ea typeface="Pretendard Light" panose="02000403000000020004" pitchFamily="50" charset="-127"/>
+                <a:cs typeface="Pretendard Light" panose="02000403000000020004" pitchFamily="50" charset="-127"/>
+              </a:rPr>
+              <a:t>이고</a:t>
+            </a:r>
+            <a:r>
+              <a:rPr lang="en-US" altLang="ko-KR">
+                <a:solidFill>
+                  <a:schemeClr val="bg1"/>
+                </a:solidFill>
+                <a:latin typeface="Pretendard Light" panose="02000403000000020004" pitchFamily="50" charset="-127"/>
+                <a:ea typeface="Pretendard Light" panose="02000403000000020004" pitchFamily="50" charset="-127"/>
+                <a:cs typeface="Pretendard Light" panose="02000403000000020004" pitchFamily="50" charset="-127"/>
+              </a:rPr>
+              <a:t>,</a:t>
+            </a:r>
+          </a:p>
+          <a:p>
+            <a:r>
+              <a:rPr lang="ko-KR" altLang="en-US">
+                <a:solidFill>
+                  <a:schemeClr val="bg1"/>
+                </a:solidFill>
+                <a:latin typeface="Pretendard Black" panose="02000A03000000020004" pitchFamily="50" charset="-127"/>
+                <a:ea typeface="Pretendard Black" panose="02000A03000000020004" pitchFamily="50" charset="-127"/>
+                <a:cs typeface="Pretendard Black" panose="02000A03000000020004" pitchFamily="50" charset="-127"/>
+              </a:rPr>
+              <a:t>세이지는 성능이 좋아서 </a:t>
+            </a:r>
+            <a:r>
+              <a:rPr lang="ko-KR" altLang="en-US">
+                <a:solidFill>
+                  <a:schemeClr val="bg1"/>
+                </a:solidFill>
+                <a:latin typeface="Pretendard Light" panose="02000403000000020004" pitchFamily="50" charset="-127"/>
+                <a:ea typeface="Pretendard Light" panose="02000403000000020004" pitchFamily="50" charset="-127"/>
+                <a:cs typeface="Pretendard Light" panose="02000403000000020004" pitchFamily="50" charset="-127"/>
+              </a:rPr>
+              <a:t>쓰고 있어요</a:t>
+            </a:r>
+            <a:r>
+              <a:rPr lang="en-US" altLang="ko-KR">
+                <a:solidFill>
+                  <a:schemeClr val="bg1"/>
+                </a:solidFill>
+                <a:latin typeface="Pretendard Light" panose="02000403000000020004" pitchFamily="50" charset="-127"/>
+                <a:ea typeface="Pretendard Light" panose="02000403000000020004" pitchFamily="50" charset="-127"/>
+                <a:cs typeface="Pretendard Light" panose="02000403000000020004" pitchFamily="50" charset="-127"/>
+              </a:rPr>
+              <a:t>.</a:t>
+            </a:r>
+          </a:p>
+        </p:txBody>
+      </p:sp>
+      <p:sp>
+        <p:nvSpPr>
+          <p:cNvPr id="5" name="TextBox 4">
+            <a:extLst>
+              <a:ext uri="{FF2B5EF4-FFF2-40B4-BE49-F238E27FC236}">
+                <a16:creationId xmlns:a16="http://schemas.microsoft.com/office/drawing/2014/main" id="{F02F109E-D7C3-4267-A7D2-3A60682B9608}"/>
+              </a:ext>
+            </a:extLst>
+          </p:cNvPr>
+          <p:cNvSpPr txBox="1"/>
+          <p:nvPr/>
+        </p:nvSpPr>
+        <p:spPr>
+          <a:xfrm>
+            <a:off x="666750" y="2513411"/>
+            <a:ext cx="3695242" cy="1477328"/>
+          </a:xfrm>
+          <a:prstGeom prst="rect">
+            <a:avLst/>
+          </a:prstGeom>
+          <a:noFill/>
+        </p:spPr>
+        <p:txBody>
+          <a:bodyPr wrap="none" rtlCol="0">
+            <a:spAutoFit/>
+          </a:bodyPr>
+          <a:lstStyle/>
+          <a:p>
+            <a:r>
+              <a:rPr lang="ko-KR" altLang="en-US">
+                <a:solidFill>
+                  <a:schemeClr val="bg1"/>
+                </a:solidFill>
+                <a:latin typeface="Pretendard Black" panose="02000A03000000020004" pitchFamily="50" charset="-127"/>
+                <a:ea typeface="Pretendard Black" panose="02000A03000000020004" pitchFamily="50" charset="-127"/>
+                <a:cs typeface="Pretendard Black" panose="02000A03000000020004" pitchFamily="50" charset="-127"/>
+              </a:rPr>
+              <a:t>좋아하는 것</a:t>
+            </a:r>
+            <a:r>
+              <a:rPr lang="ko-KR" altLang="en-US">
+                <a:solidFill>
+                  <a:schemeClr val="bg1"/>
+                </a:solidFill>
+                <a:latin typeface="Pretendard Light" panose="02000403000000020004" pitchFamily="50" charset="-127"/>
+                <a:ea typeface="Pretendard Light" panose="02000403000000020004" pitchFamily="50" charset="-127"/>
+                <a:cs typeface="Pretendard Light" panose="02000403000000020004" pitchFamily="50" charset="-127"/>
+              </a:rPr>
+              <a:t>은 이쯤 하면 되는 것 같으니</a:t>
+            </a:r>
+            <a:endParaRPr lang="en-US" altLang="ko-KR">
+              <a:solidFill>
+                <a:schemeClr val="bg1"/>
+              </a:solidFill>
+              <a:latin typeface="Pretendard Light" panose="02000403000000020004" pitchFamily="50" charset="-127"/>
+              <a:ea typeface="Pretendard Light" panose="02000403000000020004" pitchFamily="50" charset="-127"/>
+              <a:cs typeface="Pretendard Light" panose="02000403000000020004" pitchFamily="50" charset="-127"/>
+            </a:endParaRPr>
+          </a:p>
+          <a:p>
+            <a:r>
+              <a:rPr lang="ko-KR" altLang="en-US" sz="3600">
+                <a:solidFill>
+                  <a:schemeClr val="bg1"/>
+                </a:solidFill>
+                <a:latin typeface="Pretendard Black" panose="02000A03000000020004" pitchFamily="50" charset="-127"/>
+                <a:ea typeface="Pretendard Black" panose="02000A03000000020004" pitchFamily="50" charset="-127"/>
+                <a:cs typeface="Pretendard Black" panose="02000A03000000020004" pitchFamily="50" charset="-127"/>
+              </a:rPr>
+              <a:t>싫어하는 것</a:t>
+            </a:r>
+            <a:r>
+              <a:rPr lang="ko-KR" altLang="en-US" sz="3600">
+                <a:solidFill>
+                  <a:schemeClr val="bg1"/>
+                </a:solidFill>
+                <a:latin typeface="Pretendard Light" panose="02000403000000020004" pitchFamily="50" charset="-127"/>
+                <a:ea typeface="Pretendard Light" panose="02000403000000020004" pitchFamily="50" charset="-127"/>
+                <a:cs typeface="Pretendard Light" panose="02000403000000020004" pitchFamily="50" charset="-127"/>
+              </a:rPr>
+              <a:t>이</a:t>
+            </a:r>
+            <a:endParaRPr lang="en-US" altLang="ko-KR" sz="3600">
+              <a:solidFill>
+                <a:schemeClr val="bg1"/>
+              </a:solidFill>
+              <a:latin typeface="Pretendard Light" panose="02000403000000020004" pitchFamily="50" charset="-127"/>
+              <a:ea typeface="Pretendard Light" panose="02000403000000020004" pitchFamily="50" charset="-127"/>
+              <a:cs typeface="Pretendard Light" panose="02000403000000020004" pitchFamily="50" charset="-127"/>
+            </a:endParaRPr>
+          </a:p>
+          <a:p>
+            <a:r>
+              <a:rPr lang="ko-KR" altLang="en-US" sz="3600">
+                <a:solidFill>
+                  <a:schemeClr val="bg1"/>
+                </a:solidFill>
+                <a:latin typeface="Pretendard Light" panose="02000403000000020004" pitchFamily="50" charset="-127"/>
+                <a:ea typeface="Pretendard Light" panose="02000403000000020004" pitchFamily="50" charset="-127"/>
+                <a:cs typeface="Pretendard Light" panose="02000403000000020004" pitchFamily="50" charset="-127"/>
+              </a:rPr>
+              <a:t>있으신가요</a:t>
+            </a:r>
+            <a:r>
+              <a:rPr lang="en-US" altLang="ko-KR" sz="3600">
+                <a:solidFill>
+                  <a:schemeClr val="bg1"/>
+                </a:solidFill>
+                <a:latin typeface="Pretendard Light" panose="02000403000000020004" pitchFamily="50" charset="-127"/>
+                <a:ea typeface="Pretendard Light" panose="02000403000000020004" pitchFamily="50" charset="-127"/>
+                <a:cs typeface="Pretendard Light" panose="02000403000000020004" pitchFamily="50" charset="-127"/>
+              </a:rPr>
+              <a:t>?</a:t>
+            </a:r>
+          </a:p>
+        </p:txBody>
+      </p:sp>
+      <p:sp>
+        <p:nvSpPr>
+          <p:cNvPr id="6" name="TextBox 5">
+            <a:extLst>
+              <a:ext uri="{FF2B5EF4-FFF2-40B4-BE49-F238E27FC236}">
+                <a16:creationId xmlns:a16="http://schemas.microsoft.com/office/drawing/2014/main" id="{EEAA045E-4922-4CB9-B7B0-6837AC2B43F4}"/>
+              </a:ext>
+            </a:extLst>
+          </p:cNvPr>
+          <p:cNvSpPr txBox="1"/>
+          <p:nvPr/>
+        </p:nvSpPr>
+        <p:spPr>
+          <a:xfrm>
+            <a:off x="6409747" y="2513411"/>
+            <a:ext cx="1887055" cy="646331"/>
+          </a:xfrm>
+          <a:prstGeom prst="rect">
+            <a:avLst/>
+          </a:prstGeom>
+          <a:noFill/>
+        </p:spPr>
+        <p:txBody>
+          <a:bodyPr wrap="none" rtlCol="0">
+            <a:spAutoFit/>
+          </a:bodyPr>
+          <a:lstStyle/>
+          <a:p>
+            <a:r>
+              <a:rPr lang="ko-KR" altLang="en-US">
+                <a:solidFill>
+                  <a:schemeClr val="bg1"/>
+                </a:solidFill>
+                <a:latin typeface="Pretendard Black" panose="02000A03000000020004" pitchFamily="50" charset="-127"/>
+                <a:ea typeface="Pretendard Black" panose="02000A03000000020004" pitchFamily="50" charset="-127"/>
+                <a:cs typeface="Pretendard Black" panose="02000A03000000020004" pitchFamily="50" charset="-127"/>
+              </a:rPr>
+              <a:t>노동 싫어합니다</a:t>
+            </a:r>
+            <a:r>
+              <a:rPr lang="en-US" altLang="ko-KR">
+                <a:solidFill>
+                  <a:schemeClr val="bg1"/>
+                </a:solidFill>
+                <a:latin typeface="Pretendard Light" panose="02000403000000020004" pitchFamily="50" charset="-127"/>
+                <a:ea typeface="Pretendard Light" panose="02000403000000020004" pitchFamily="50" charset="-127"/>
+                <a:cs typeface="Pretendard Light" panose="02000403000000020004" pitchFamily="50" charset="-127"/>
+              </a:rPr>
+              <a:t>.</a:t>
+            </a:r>
+          </a:p>
+          <a:p>
+            <a:r>
+              <a:rPr lang="ko-KR" altLang="en-US">
+                <a:solidFill>
+                  <a:schemeClr val="bg1"/>
+                </a:solidFill>
+                <a:latin typeface="Pretendard Light" panose="02000403000000020004" pitchFamily="50" charset="-127"/>
+                <a:ea typeface="Pretendard Light" panose="02000403000000020004" pitchFamily="50" charset="-127"/>
+                <a:cs typeface="Pretendard Light" panose="02000403000000020004" pitchFamily="50" charset="-127"/>
+              </a:rPr>
+              <a:t>자유로운게 좋아요</a:t>
+            </a:r>
+            <a:r>
+              <a:rPr lang="en-US" altLang="ko-KR">
+                <a:solidFill>
+                  <a:schemeClr val="bg1"/>
+                </a:solidFill>
+                <a:latin typeface="Pretendard Light" panose="02000403000000020004" pitchFamily="50" charset="-127"/>
+                <a:ea typeface="Pretendard Light" panose="02000403000000020004" pitchFamily="50" charset="-127"/>
+                <a:cs typeface="Pretendard Light" panose="02000403000000020004" pitchFamily="50" charset="-127"/>
+              </a:rPr>
+              <a:t>.</a:t>
+            </a:r>
+          </a:p>
+        </p:txBody>
+      </p:sp>
+      <p:sp>
+        <p:nvSpPr>
+          <p:cNvPr id="10" name="TextBox 9">
+            <a:extLst>
+              <a:ext uri="{FF2B5EF4-FFF2-40B4-BE49-F238E27FC236}">
+                <a16:creationId xmlns:a16="http://schemas.microsoft.com/office/drawing/2014/main" id="{BBB89C92-BBA7-454B-8777-63A6DC040391}"/>
+              </a:ext>
+            </a:extLst>
+          </p:cNvPr>
+          <p:cNvSpPr txBox="1"/>
+          <p:nvPr/>
+        </p:nvSpPr>
+        <p:spPr>
+          <a:xfrm>
+            <a:off x="666750" y="4360072"/>
+            <a:ext cx="5412059" cy="1477328"/>
+          </a:xfrm>
+          <a:prstGeom prst="rect">
+            <a:avLst/>
+          </a:prstGeom>
+          <a:noFill/>
+        </p:spPr>
+        <p:txBody>
+          <a:bodyPr wrap="none" rtlCol="0">
+            <a:spAutoFit/>
+          </a:bodyPr>
+          <a:lstStyle/>
+          <a:p>
+            <a:r>
+              <a:rPr lang="ko-KR" altLang="en-US">
+                <a:solidFill>
+                  <a:schemeClr val="bg1"/>
+                </a:solidFill>
+                <a:latin typeface="Pretendard Light" panose="02000403000000020004" pitchFamily="50" charset="-127"/>
+                <a:ea typeface="Pretendard Light" panose="02000403000000020004" pitchFamily="50" charset="-127"/>
+                <a:cs typeface="Pretendard Light" panose="02000403000000020004" pitchFamily="50" charset="-127"/>
+              </a:rPr>
+              <a:t>이제 끝쯤으로 넘어가서</a:t>
+            </a:r>
+            <a:r>
+              <a:rPr lang="en-US" altLang="ko-KR">
+                <a:solidFill>
+                  <a:schemeClr val="bg1"/>
+                </a:solidFill>
+                <a:latin typeface="Pretendard Light" panose="02000403000000020004" pitchFamily="50" charset="-127"/>
+                <a:ea typeface="Pretendard Light" panose="02000403000000020004" pitchFamily="50" charset="-127"/>
+                <a:cs typeface="Pretendard Light" panose="02000403000000020004" pitchFamily="50" charset="-127"/>
+              </a:rPr>
+              <a:t>, </a:t>
+            </a:r>
+          </a:p>
+          <a:p>
+            <a:r>
+              <a:rPr lang="en-US" altLang="ko-KR" sz="3600">
+                <a:blipFill>
+                  <a:blip r:embed="rId4"/>
+                  <a:stretch>
+                    <a:fillRect/>
+                  </a:stretch>
+                </a:blipFill>
+                <a:latin typeface="Pretendard Black" panose="02000A03000000020004" pitchFamily="50" charset="-127"/>
+                <a:ea typeface="Pretendard Black" panose="02000A03000000020004" pitchFamily="50" charset="-127"/>
+                <a:cs typeface="Pretendard Black" panose="02000A03000000020004" pitchFamily="50" charset="-127"/>
+              </a:rPr>
+              <a:t>50</a:t>
+            </a:r>
+            <a:r>
+              <a:rPr lang="ko-KR" altLang="en-US" sz="3600">
+                <a:blipFill>
+                  <a:blip r:embed="rId4"/>
+                  <a:stretch>
+                    <a:fillRect/>
+                  </a:stretch>
+                </a:blipFill>
+                <a:latin typeface="Pretendard Black" panose="02000A03000000020004" pitchFamily="50" charset="-127"/>
+                <a:ea typeface="Pretendard Black" panose="02000A03000000020004" pitchFamily="50" charset="-127"/>
+                <a:cs typeface="Pretendard Black" panose="02000A03000000020004" pitchFamily="50" charset="-127"/>
+              </a:rPr>
+              <a:t>년 쯤 후 미래</a:t>
+            </a:r>
+            <a:r>
+              <a:rPr lang="ko-KR" altLang="en-US" sz="3600">
+                <a:solidFill>
+                  <a:schemeClr val="bg1"/>
+                </a:solidFill>
+                <a:latin typeface="Pretendard Black" panose="02000A03000000020004" pitchFamily="50" charset="-127"/>
+                <a:ea typeface="Pretendard Black" panose="02000A03000000020004" pitchFamily="50" charset="-127"/>
+                <a:cs typeface="Pretendard Black" panose="02000A03000000020004" pitchFamily="50" charset="-127"/>
+              </a:rPr>
+              <a:t>에</a:t>
+            </a:r>
+            <a:endParaRPr lang="en-US" altLang="ko-KR" sz="3600">
+              <a:solidFill>
+                <a:schemeClr val="bg1"/>
+              </a:solidFill>
+              <a:latin typeface="Pretendard Light" panose="02000403000000020004" pitchFamily="50" charset="-127"/>
+              <a:ea typeface="Pretendard Light" panose="02000403000000020004" pitchFamily="50" charset="-127"/>
+              <a:cs typeface="Pretendard Light" panose="02000403000000020004" pitchFamily="50" charset="-127"/>
+            </a:endParaRPr>
+          </a:p>
+          <a:p>
+            <a:r>
+              <a:rPr lang="ko-KR" altLang="en-US" sz="3600">
+                <a:solidFill>
+                  <a:schemeClr val="bg1"/>
+                </a:solidFill>
+                <a:latin typeface="Pretendard Black" panose="02000A03000000020004" pitchFamily="50" charset="-127"/>
+                <a:ea typeface="Pretendard Black" panose="02000A03000000020004" pitchFamily="50" charset="-127"/>
+                <a:cs typeface="Pretendard Black" panose="02000A03000000020004" pitchFamily="50" charset="-127"/>
+              </a:rPr>
+              <a:t>하고싶으신 것</a:t>
+            </a:r>
+            <a:r>
+              <a:rPr lang="ko-KR" altLang="en-US" sz="3600">
+                <a:solidFill>
+                  <a:schemeClr val="bg1"/>
+                </a:solidFill>
+                <a:latin typeface="Pretendard Light" panose="02000403000000020004" pitchFamily="50" charset="-127"/>
+                <a:ea typeface="Pretendard Light" panose="02000403000000020004" pitchFamily="50" charset="-127"/>
+                <a:cs typeface="Pretendard Light" panose="02000403000000020004" pitchFamily="50" charset="-127"/>
+              </a:rPr>
+              <a:t>이 있으신가요</a:t>
+            </a:r>
+            <a:r>
+              <a:rPr lang="en-US" altLang="ko-KR" sz="3600">
+                <a:solidFill>
+                  <a:schemeClr val="bg1"/>
+                </a:solidFill>
+                <a:latin typeface="Pretendard Light" panose="02000403000000020004" pitchFamily="50" charset="-127"/>
+                <a:ea typeface="Pretendard Light" panose="02000403000000020004" pitchFamily="50" charset="-127"/>
+                <a:cs typeface="Pretendard Light" panose="02000403000000020004" pitchFamily="50" charset="-127"/>
+              </a:rPr>
+              <a:t>?</a:t>
+            </a:r>
+          </a:p>
+        </p:txBody>
+      </p:sp>
+      <p:sp>
+        <p:nvSpPr>
+          <p:cNvPr id="14" name="TextBox 13">
+            <a:extLst>
+              <a:ext uri="{FF2B5EF4-FFF2-40B4-BE49-F238E27FC236}">
+                <a16:creationId xmlns:a16="http://schemas.microsoft.com/office/drawing/2014/main" id="{B2E8DB89-EA40-4503-ACFD-5B1690B727A1}"/>
+              </a:ext>
+            </a:extLst>
+          </p:cNvPr>
+          <p:cNvSpPr txBox="1"/>
+          <p:nvPr/>
+        </p:nvSpPr>
+        <p:spPr>
+          <a:xfrm>
+            <a:off x="6409747" y="4355867"/>
+            <a:ext cx="5131533" cy="923330"/>
+          </a:xfrm>
+          <a:prstGeom prst="rect">
+            <a:avLst/>
+          </a:prstGeom>
+          <a:noFill/>
+        </p:spPr>
+        <p:txBody>
+          <a:bodyPr wrap="none" rtlCol="0">
+            <a:spAutoFit/>
+          </a:bodyPr>
+          <a:lstStyle/>
+          <a:p>
+            <a:r>
+              <a:rPr lang="ko-KR" altLang="en-US">
+                <a:solidFill>
+                  <a:schemeClr val="bg1"/>
+                </a:solidFill>
+                <a:latin typeface="Pretendard Black" panose="02000A03000000020004" pitchFamily="50" charset="-127"/>
+                <a:ea typeface="Pretendard Black" panose="02000A03000000020004" pitchFamily="50" charset="-127"/>
+                <a:cs typeface="Pretendard Black" panose="02000A03000000020004" pitchFamily="50" charset="-127"/>
+              </a:rPr>
+              <a:t>사업가 되고 싶습니다</a:t>
+            </a:r>
+            <a:r>
+              <a:rPr lang="en-US" altLang="ko-KR">
+                <a:solidFill>
+                  <a:schemeClr val="bg1"/>
+                </a:solidFill>
+                <a:latin typeface="Pretendard Light" panose="02000403000000020004" pitchFamily="50" charset="-127"/>
+                <a:ea typeface="Pretendard Light" panose="02000403000000020004" pitchFamily="50" charset="-127"/>
+                <a:cs typeface="Pretendard Light" panose="02000403000000020004" pitchFamily="50" charset="-127"/>
+              </a:rPr>
+              <a:t>. </a:t>
+            </a:r>
+            <a:r>
+              <a:rPr lang="ko-KR" altLang="en-US">
+                <a:blipFill>
+                  <a:blip r:embed="rId5"/>
+                  <a:stretch>
+                    <a:fillRect/>
+                  </a:stretch>
+                </a:blipFill>
+                <a:latin typeface="Pretendard Black" panose="02000A03000000020004" pitchFamily="50" charset="-127"/>
+                <a:ea typeface="Pretendard Black" panose="02000A03000000020004" pitchFamily="50" charset="-127"/>
+                <a:cs typeface="Pretendard Black" panose="02000A03000000020004" pitchFamily="50" charset="-127"/>
+              </a:rPr>
+              <a:t>반도체</a:t>
+            </a:r>
+            <a:r>
+              <a:rPr lang="ko-KR" altLang="en-US">
+                <a:solidFill>
+                  <a:schemeClr val="bg1"/>
+                </a:solidFill>
+                <a:latin typeface="Pretendard Light" panose="02000403000000020004" pitchFamily="50" charset="-127"/>
+                <a:ea typeface="Pretendard Light" panose="02000403000000020004" pitchFamily="50" charset="-127"/>
+                <a:cs typeface="Pretendard Light" panose="02000403000000020004" pitchFamily="50" charset="-127"/>
+              </a:rPr>
+              <a:t> 관련해서요</a:t>
+            </a:r>
+            <a:r>
+              <a:rPr lang="en-US" altLang="ko-KR">
+                <a:solidFill>
+                  <a:schemeClr val="bg1"/>
+                </a:solidFill>
+                <a:latin typeface="Pretendard Light" panose="02000403000000020004" pitchFamily="50" charset="-127"/>
+                <a:ea typeface="Pretendard Light" panose="02000403000000020004" pitchFamily="50" charset="-127"/>
+                <a:cs typeface="Pretendard Light" panose="02000403000000020004" pitchFamily="50" charset="-127"/>
+              </a:rPr>
+              <a:t>.</a:t>
+            </a:r>
+          </a:p>
+          <a:p>
+            <a:r>
+              <a:rPr lang="ko-KR" altLang="en-US">
+                <a:blipFill>
+                  <a:blip r:embed="rId6"/>
+                  <a:stretch>
+                    <a:fillRect/>
+                  </a:stretch>
+                </a:blipFill>
+                <a:latin typeface="Pretendard Black" panose="02000A03000000020004" pitchFamily="50" charset="-127"/>
+                <a:ea typeface="Pretendard Black" panose="02000A03000000020004" pitchFamily="50" charset="-127"/>
+                <a:cs typeface="Pretendard Black" panose="02000A03000000020004" pitchFamily="50" charset="-127"/>
+              </a:rPr>
+              <a:t>월급</a:t>
+            </a:r>
+            <a:r>
+              <a:rPr lang="ko-KR" altLang="en-US">
+                <a:solidFill>
+                  <a:schemeClr val="bg1"/>
+                </a:solidFill>
+                <a:latin typeface="Pretendard Light" panose="02000403000000020004" pitchFamily="50" charset="-127"/>
+                <a:ea typeface="Pretendard Light" panose="02000403000000020004" pitchFamily="50" charset="-127"/>
+                <a:cs typeface="Pretendard Light" panose="02000403000000020004" pitchFamily="50" charset="-127"/>
+              </a:rPr>
+              <a:t>은</a:t>
+            </a:r>
+            <a:r>
+              <a:rPr lang="ko-KR" altLang="en-US">
+                <a:solidFill>
+                  <a:schemeClr val="bg1"/>
+                </a:solidFill>
+                <a:latin typeface="Pretendard Black" panose="02000A03000000020004" pitchFamily="50" charset="-127"/>
+                <a:ea typeface="Pretendard Black" panose="02000A03000000020004" pitchFamily="50" charset="-127"/>
+                <a:cs typeface="Pretendard Black" panose="02000A03000000020004" pitchFamily="50" charset="-127"/>
+              </a:rPr>
+              <a:t> </a:t>
+            </a:r>
+            <a:r>
+              <a:rPr lang="ko-KR" altLang="en-US">
+                <a:blipFill>
+                  <a:blip r:embed="rId6"/>
+                  <a:stretch>
+                    <a:fillRect/>
+                  </a:stretch>
+                </a:blipFill>
+                <a:latin typeface="Pretendard Black" panose="02000A03000000020004" pitchFamily="50" charset="-127"/>
+                <a:ea typeface="Pretendard Black" panose="02000A03000000020004" pitchFamily="50" charset="-127"/>
+                <a:cs typeface="Pretendard Black" panose="02000A03000000020004" pitchFamily="50" charset="-127"/>
+              </a:rPr>
+              <a:t>한 </a:t>
+            </a:r>
+            <a:r>
+              <a:rPr lang="en-US" altLang="ko-KR">
+                <a:blipFill>
+                  <a:blip r:embed="rId6"/>
+                  <a:stretch>
+                    <a:fillRect/>
+                  </a:stretch>
+                </a:blipFill>
+                <a:latin typeface="Pretendard Black" panose="02000A03000000020004" pitchFamily="50" charset="-127"/>
+                <a:ea typeface="Pretendard Black" panose="02000A03000000020004" pitchFamily="50" charset="-127"/>
+                <a:cs typeface="Pretendard Black" panose="02000A03000000020004" pitchFamily="50" charset="-127"/>
+              </a:rPr>
+              <a:t>2</a:t>
+            </a:r>
+            <a:r>
+              <a:rPr lang="ko-KR" altLang="en-US">
+                <a:blipFill>
+                  <a:blip r:embed="rId6"/>
+                  <a:stretch>
+                    <a:fillRect/>
+                  </a:stretch>
+                </a:blipFill>
+                <a:latin typeface="Pretendard Black" panose="02000A03000000020004" pitchFamily="50" charset="-127"/>
+                <a:ea typeface="Pretendard Black" panose="02000A03000000020004" pitchFamily="50" charset="-127"/>
+                <a:cs typeface="Pretendard Black" panose="02000A03000000020004" pitchFamily="50" charset="-127"/>
+              </a:rPr>
+              <a:t>억 정도</a:t>
+            </a:r>
+            <a:r>
+              <a:rPr lang="en-US" altLang="ko-KR">
+                <a:blipFill>
+                  <a:blip r:embed="rId6"/>
+                  <a:stretch>
+                    <a:fillRect/>
+                  </a:stretch>
+                </a:blipFill>
+                <a:latin typeface="Pretendard Light" panose="02000403000000020004" pitchFamily="50" charset="-127"/>
+                <a:ea typeface="Pretendard Light" panose="02000403000000020004" pitchFamily="50" charset="-127"/>
+                <a:cs typeface="Pretendard Light" panose="02000403000000020004" pitchFamily="50" charset="-127"/>
+              </a:rPr>
+              <a:t>?</a:t>
+            </a:r>
+            <a:r>
+              <a:rPr lang="en-US" altLang="ko-KR">
+                <a:blipFill>
+                  <a:blip r:embed="rId6"/>
+                  <a:stretch>
+                    <a:fillRect/>
+                  </a:stretch>
+                </a:blipFill>
+                <a:latin typeface="Pretendard Black" panose="02000A03000000020004" pitchFamily="50" charset="-127"/>
+                <a:ea typeface="Pretendard Black" panose="02000A03000000020004" pitchFamily="50" charset="-127"/>
+                <a:cs typeface="Pretendard Black" panose="02000A03000000020004" pitchFamily="50" charset="-127"/>
+              </a:rPr>
+              <a:t> </a:t>
+            </a:r>
+            <a:r>
+              <a:rPr lang="en-US" altLang="ko-KR">
+                <a:solidFill>
+                  <a:schemeClr val="bg1"/>
+                </a:solidFill>
+                <a:latin typeface="Pretendard Light" panose="02000403000000020004" pitchFamily="50" charset="-127"/>
+                <a:ea typeface="Pretendard Light" panose="02000403000000020004" pitchFamily="50" charset="-127"/>
+                <a:cs typeface="Pretendard Light" panose="02000403000000020004" pitchFamily="50" charset="-127"/>
+              </a:rPr>
+              <a:t>(</a:t>
+            </a:r>
+            <a:r>
+              <a:rPr lang="ko-KR" altLang="en-US">
+                <a:solidFill>
+                  <a:schemeClr val="bg1"/>
+                </a:solidFill>
+                <a:latin typeface="Pretendard Light" panose="02000403000000020004" pitchFamily="50" charset="-127"/>
+                <a:ea typeface="Pretendard Light" panose="02000403000000020004" pitchFamily="50" charset="-127"/>
+                <a:cs typeface="Pretendard Light" panose="02000403000000020004" pitchFamily="50" charset="-127"/>
+              </a:rPr>
+              <a:t>웃음</a:t>
+            </a:r>
+            <a:r>
+              <a:rPr lang="en-US" altLang="ko-KR">
+                <a:solidFill>
+                  <a:schemeClr val="bg1"/>
+                </a:solidFill>
+                <a:latin typeface="Pretendard Light" panose="02000403000000020004" pitchFamily="50" charset="-127"/>
+                <a:ea typeface="Pretendard Light" panose="02000403000000020004" pitchFamily="50" charset="-127"/>
+                <a:cs typeface="Pretendard Light" panose="02000403000000020004" pitchFamily="50" charset="-127"/>
+              </a:rPr>
+              <a:t>)</a:t>
+            </a:r>
+          </a:p>
+          <a:p>
+            <a:r>
+              <a:rPr lang="ko-KR" altLang="en-US">
+                <a:solidFill>
+                  <a:schemeClr val="bg1"/>
+                </a:solidFill>
+                <a:latin typeface="Pretendard Light" panose="02000403000000020004" pitchFamily="50" charset="-127"/>
+                <a:ea typeface="Pretendard Light" panose="02000403000000020004" pitchFamily="50" charset="-127"/>
+                <a:cs typeface="Pretendard Light" panose="02000403000000020004" pitchFamily="50" charset="-127"/>
+              </a:rPr>
+              <a:t>기부도 하면서 사치도 부리고</a:t>
+            </a:r>
+            <a:r>
+              <a:rPr lang="en-US" altLang="ko-KR">
+                <a:solidFill>
+                  <a:schemeClr val="bg1"/>
+                </a:solidFill>
+                <a:latin typeface="Pretendard Light" panose="02000403000000020004" pitchFamily="50" charset="-127"/>
+                <a:ea typeface="Pretendard Light" panose="02000403000000020004" pitchFamily="50" charset="-127"/>
+                <a:cs typeface="Pretendard Light" panose="02000403000000020004" pitchFamily="50" charset="-127"/>
+              </a:rPr>
+              <a:t>... </a:t>
+            </a:r>
+            <a:r>
+              <a:rPr lang="ko-KR" altLang="en-US">
+                <a:solidFill>
+                  <a:schemeClr val="bg1"/>
+                </a:solidFill>
+                <a:latin typeface="Pretendard Light" panose="02000403000000020004" pitchFamily="50" charset="-127"/>
+                <a:ea typeface="Pretendard Light" panose="02000403000000020004" pitchFamily="50" charset="-127"/>
+                <a:cs typeface="Pretendard Light" panose="02000403000000020004" pitchFamily="50" charset="-127"/>
+              </a:rPr>
+              <a:t>그러면서 살고 싶습니다</a:t>
+            </a:r>
+            <a:r>
+              <a:rPr lang="en-US" altLang="ko-KR">
+                <a:solidFill>
+                  <a:schemeClr val="bg1"/>
+                </a:solidFill>
+                <a:latin typeface="Pretendard Light" panose="02000403000000020004" pitchFamily="50" charset="-127"/>
+                <a:ea typeface="Pretendard Light" panose="02000403000000020004" pitchFamily="50" charset="-127"/>
+                <a:cs typeface="Pretendard Light" panose="02000403000000020004" pitchFamily="50" charset="-127"/>
+              </a:rPr>
+              <a:t>.</a:t>
+            </a:r>
+          </a:p>
+        </p:txBody>
+      </p:sp>
+      <p:pic>
+        <p:nvPicPr>
+          <p:cNvPr id="7" name="그림 6">
+            <a:extLst>
+              <a:ext uri="{FF2B5EF4-FFF2-40B4-BE49-F238E27FC236}">
+                <a16:creationId xmlns:a16="http://schemas.microsoft.com/office/drawing/2014/main" id="{A035B46E-8755-42A5-8904-DFC13BCD8A57}"/>
+              </a:ext>
+            </a:extLst>
+          </p:cNvPr>
+          <p:cNvPicPr>
+            <a:picLocks noChangeAspect="1"/>
+          </p:cNvPicPr>
+          <p:nvPr/>
+        </p:nvPicPr>
+        <p:blipFill>
+          <a:blip r:embed="rId7">
+            <a:extLst>
+              <a:ext uri="{28A0092B-C50C-407E-A947-70E740481C1C}">
+                <a14:useLocalDpi xmlns:a14="http://schemas.microsoft.com/office/drawing/2010/main" val="0"/>
+              </a:ext>
+            </a:extLst>
+          </a:blip>
+          <a:stretch>
+            <a:fillRect/>
+          </a:stretch>
+        </p:blipFill>
+        <p:spPr>
+          <a:xfrm>
+            <a:off x="10828699" y="5788419"/>
+            <a:ext cx="1363301" cy="1069581"/>
+          </a:xfrm>
+          <a:prstGeom prst="rect">
+            <a:avLst/>
+          </a:prstGeom>
+        </p:spPr>
+      </p:pic>
+    </p:spTree>
+    <p:extLst>
+      <p:ext uri="{BB962C8B-B14F-4D97-AF65-F5344CB8AC3E}">
+        <p14:creationId xmlns:p14="http://schemas.microsoft.com/office/powerpoint/2010/main" val="406507478"/>
+      </p:ext>
+    </p:extLst>
+  </p:cSld>
+  <p:clrMapOvr>
+    <a:masterClrMapping/>
+  </p:clrMapOvr>
+</p:sld>
+</file>
+
+<file path=ppt/slides/slide6.xml><?xml version="1.0" encoding="utf-8"?>
+<p:sld xmlns:a="http://schemas.openxmlformats.org/drawingml/2006/main" xmlns:r="http://schemas.openxmlformats.org/officeDocument/2006/relationships" xmlns:p="http://schemas.openxmlformats.org/presentationml/2006/main">
+  <p:cSld>
+    <p:bg>
+      <p:bgPr>
+        <a:solidFill>
+          <a:schemeClr val="tx1"/>
+        </a:solidFill>
+        <a:effectLst/>
+      </p:bgPr>
+    </p:bg>
+    <p:spTree>
+      <p:nvGrpSpPr>
+        <p:cNvPr id="1" name=""/>
+        <p:cNvGrpSpPr/>
+        <p:nvPr/>
+      </p:nvGrpSpPr>
+      <p:grpSpPr>
+        <a:xfrm>
+          <a:off x="0" y="0"/>
+          <a:ext cx="0" cy="0"/>
+          <a:chOff x="0" y="0"/>
+          <a:chExt cx="0" cy="0"/>
+        </a:xfrm>
+      </p:grpSpPr>
+      <p:sp>
+        <p:nvSpPr>
+          <p:cNvPr id="2" name="TextBox 1">
+            <a:extLst>
+              <a:ext uri="{FF2B5EF4-FFF2-40B4-BE49-F238E27FC236}">
+                <a16:creationId xmlns:a16="http://schemas.microsoft.com/office/drawing/2014/main" id="{DCEB6698-DE1A-4802-8FAB-395563E59118}"/>
+              </a:ext>
+            </a:extLst>
+          </p:cNvPr>
+          <p:cNvSpPr txBox="1"/>
+          <p:nvPr/>
+        </p:nvSpPr>
+        <p:spPr>
+          <a:xfrm>
+            <a:off x="666750" y="666750"/>
+            <a:ext cx="3118161" cy="1477328"/>
+          </a:xfrm>
+          <a:prstGeom prst="rect">
+            <a:avLst/>
+          </a:prstGeom>
+          <a:noFill/>
+        </p:spPr>
+        <p:txBody>
+          <a:bodyPr wrap="none" rtlCol="0">
+            <a:spAutoFit/>
+          </a:bodyPr>
+          <a:lstStyle/>
+          <a:p>
+            <a:r>
+              <a:rPr lang="ko-KR" altLang="en-US">
+                <a:solidFill>
+                  <a:schemeClr val="bg1"/>
+                </a:solidFill>
+                <a:latin typeface="Pretendard Light" panose="02000403000000020004" pitchFamily="50" charset="-127"/>
+                <a:ea typeface="Pretendard Light" panose="02000403000000020004" pitchFamily="50" charset="-127"/>
+                <a:cs typeface="Pretendard Light" panose="02000403000000020004" pitchFamily="50" charset="-127"/>
+              </a:rPr>
+              <a:t>네</a:t>
+            </a:r>
+            <a:r>
+              <a:rPr lang="en-US" altLang="ko-KR">
+                <a:solidFill>
+                  <a:schemeClr val="bg1"/>
+                </a:solidFill>
+                <a:latin typeface="Pretendard Light" panose="02000403000000020004" pitchFamily="50" charset="-127"/>
+                <a:ea typeface="Pretendard Light" panose="02000403000000020004" pitchFamily="50" charset="-127"/>
+                <a:cs typeface="Pretendard Light" panose="02000403000000020004" pitchFamily="50" charset="-127"/>
+              </a:rPr>
+              <a:t>, </a:t>
+            </a:r>
+            <a:r>
+              <a:rPr lang="ko-KR" altLang="en-US">
+                <a:solidFill>
+                  <a:schemeClr val="bg1"/>
+                </a:solidFill>
+                <a:latin typeface="Pretendard Light" panose="02000403000000020004" pitchFamily="50" charset="-127"/>
+                <a:ea typeface="Pretendard Light" panose="02000403000000020004" pitchFamily="50" charset="-127"/>
+                <a:cs typeface="Pretendard Light" panose="02000403000000020004" pitchFamily="50" charset="-127"/>
+              </a:rPr>
+              <a:t>감사합니다</a:t>
+            </a:r>
+            <a:r>
+              <a:rPr lang="en-US" altLang="ko-KR">
+                <a:solidFill>
+                  <a:schemeClr val="bg1"/>
+                </a:solidFill>
+                <a:latin typeface="Pretendard Light" panose="02000403000000020004" pitchFamily="50" charset="-127"/>
+                <a:ea typeface="Pretendard Light" panose="02000403000000020004" pitchFamily="50" charset="-127"/>
+                <a:cs typeface="Pretendard Light" panose="02000403000000020004" pitchFamily="50" charset="-127"/>
+              </a:rPr>
+              <a:t>.</a:t>
+            </a:r>
+          </a:p>
+          <a:p>
+            <a:r>
+              <a:rPr lang="ko-KR" altLang="en-US" sz="3600">
+                <a:solidFill>
+                  <a:schemeClr val="bg1"/>
+                </a:solidFill>
+                <a:latin typeface="Pretendard Black" panose="02000A03000000020004" pitchFamily="50" charset="-127"/>
+                <a:ea typeface="Pretendard Black" panose="02000A03000000020004" pitchFamily="50" charset="-127"/>
+                <a:cs typeface="Pretendard Black" panose="02000A03000000020004" pitchFamily="50" charset="-127"/>
+              </a:rPr>
+              <a:t>수고하셨습니다</a:t>
+            </a:r>
+            <a:r>
+              <a:rPr lang="en-US" altLang="ko-KR" sz="3600">
+                <a:solidFill>
+                  <a:schemeClr val="bg1"/>
+                </a:solidFill>
+                <a:latin typeface="Pretendard Black" panose="02000A03000000020004" pitchFamily="50" charset="-127"/>
+                <a:ea typeface="Pretendard Black" panose="02000A03000000020004" pitchFamily="50" charset="-127"/>
+                <a:cs typeface="Pretendard Black" panose="02000A03000000020004" pitchFamily="50" charset="-127"/>
+              </a:rPr>
+              <a:t>.</a:t>
+            </a:r>
+          </a:p>
+          <a:p>
+            <a:r>
+              <a:rPr lang="ko-KR" altLang="en-US" sz="3600">
+                <a:solidFill>
+                  <a:schemeClr val="bg1"/>
+                </a:solidFill>
+                <a:latin typeface="Pretendard Black" panose="02000A03000000020004" pitchFamily="50" charset="-127"/>
+                <a:ea typeface="Pretendard Black" panose="02000A03000000020004" pitchFamily="50" charset="-127"/>
+                <a:cs typeface="Pretendard Black" panose="02000A03000000020004" pitchFamily="50" charset="-127"/>
+              </a:rPr>
+              <a:t>내일 봅시다</a:t>
+            </a:r>
+            <a:r>
+              <a:rPr lang="en-US" altLang="ko-KR" sz="3600">
+                <a:solidFill>
+                  <a:schemeClr val="bg1"/>
+                </a:solidFill>
+                <a:latin typeface="Pretendard Black" panose="02000A03000000020004" pitchFamily="50" charset="-127"/>
+                <a:ea typeface="Pretendard Black" panose="02000A03000000020004" pitchFamily="50" charset="-127"/>
+                <a:cs typeface="Pretendard Black" panose="02000A03000000020004" pitchFamily="50" charset="-127"/>
+              </a:rPr>
+              <a:t>.</a:t>
+            </a:r>
+            <a:endParaRPr lang="en-US" altLang="ko-KR" sz="3600">
+              <a:solidFill>
+                <a:schemeClr val="bg1"/>
+              </a:solidFill>
+              <a:latin typeface="Pretendard Light" panose="02000403000000020004" pitchFamily="50" charset="-127"/>
+              <a:ea typeface="Pretendard Light" panose="02000403000000020004" pitchFamily="50" charset="-127"/>
+              <a:cs typeface="Pretendard Light" panose="02000403000000020004" pitchFamily="50" charset="-127"/>
+            </a:endParaRPr>
+          </a:p>
+        </p:txBody>
+      </p:sp>
+      <p:pic>
+        <p:nvPicPr>
+          <p:cNvPr id="7" name="그림 6">
+            <a:extLst>
+              <a:ext uri="{FF2B5EF4-FFF2-40B4-BE49-F238E27FC236}">
+                <a16:creationId xmlns:a16="http://schemas.microsoft.com/office/drawing/2014/main" id="{A035B46E-8755-42A5-8904-DFC13BCD8A57}"/>
+              </a:ext>
+            </a:extLst>
+          </p:cNvPr>
+          <p:cNvPicPr>
+            <a:picLocks noChangeAspect="1"/>
+          </p:cNvPicPr>
+          <p:nvPr/>
+        </p:nvPicPr>
+        <p:blipFill>
+          <a:blip r:embed="rId2">
+            <a:extLst>
+              <a:ext uri="{28A0092B-C50C-407E-A947-70E740481C1C}">
+                <a14:useLocalDpi xmlns:a14="http://schemas.microsoft.com/office/drawing/2010/main" val="0"/>
+              </a:ext>
+            </a:extLst>
+          </a:blip>
+          <a:stretch>
+            <a:fillRect/>
+          </a:stretch>
+        </p:blipFill>
+        <p:spPr>
+          <a:xfrm>
+            <a:off x="10828699" y="5788419"/>
+            <a:ext cx="1363301" cy="1069581"/>
+          </a:xfrm>
+          <a:prstGeom prst="rect">
+            <a:avLst/>
+          </a:prstGeom>
+        </p:spPr>
+      </p:pic>
+      <p:sp>
+        <p:nvSpPr>
+          <p:cNvPr id="9" name="TextBox 8">
+            <a:extLst>
+              <a:ext uri="{FF2B5EF4-FFF2-40B4-BE49-F238E27FC236}">
+                <a16:creationId xmlns:a16="http://schemas.microsoft.com/office/drawing/2014/main" id="{8ED898FD-2CCD-47CA-B740-B5C1D35EEF19}"/>
+              </a:ext>
+            </a:extLst>
+          </p:cNvPr>
+          <p:cNvSpPr txBox="1"/>
+          <p:nvPr/>
+        </p:nvSpPr>
+        <p:spPr>
+          <a:xfrm>
+            <a:off x="6409747" y="666750"/>
+            <a:ext cx="3050835" cy="646331"/>
+          </a:xfrm>
+          <a:prstGeom prst="rect">
+            <a:avLst/>
+          </a:prstGeom>
+          <a:noFill/>
+        </p:spPr>
+        <p:txBody>
+          <a:bodyPr wrap="none" rtlCol="0">
+            <a:spAutoFit/>
+          </a:bodyPr>
+          <a:lstStyle/>
+          <a:p>
+            <a:r>
+              <a:rPr lang="ko-KR" altLang="en-US">
+                <a:solidFill>
+                  <a:schemeClr val="bg1"/>
+                </a:solidFill>
+                <a:latin typeface="Pretendard Light" panose="02000403000000020004" pitchFamily="50" charset="-127"/>
+                <a:ea typeface="Pretendard Light" panose="02000403000000020004" pitchFamily="50" charset="-127"/>
+                <a:cs typeface="Pretendard Light" panose="02000403000000020004" pitchFamily="50" charset="-127"/>
+              </a:rPr>
+              <a:t>네</a:t>
+            </a:r>
+            <a:r>
+              <a:rPr lang="en-US" altLang="ko-KR">
+                <a:solidFill>
+                  <a:schemeClr val="bg1"/>
+                </a:solidFill>
+                <a:latin typeface="Pretendard Light" panose="02000403000000020004" pitchFamily="50" charset="-127"/>
+                <a:ea typeface="Pretendard Light" panose="02000403000000020004" pitchFamily="50" charset="-127"/>
+                <a:cs typeface="Pretendard Light" panose="02000403000000020004" pitchFamily="50" charset="-127"/>
+              </a:rPr>
+              <a:t>, </a:t>
+            </a:r>
+            <a:r>
+              <a:rPr lang="ko-KR" altLang="en-US">
+                <a:solidFill>
+                  <a:schemeClr val="bg1"/>
+                </a:solidFill>
+                <a:latin typeface="Pretendard Light" panose="02000403000000020004" pitchFamily="50" charset="-127"/>
+                <a:ea typeface="Pretendard Light" panose="02000403000000020004" pitchFamily="50" charset="-127"/>
+                <a:cs typeface="Pretendard Light" panose="02000403000000020004" pitchFamily="50" charset="-127"/>
+              </a:rPr>
+              <a:t>면담자 분도 수고하셨습니다</a:t>
+            </a:r>
+            <a:r>
+              <a:rPr lang="en-US" altLang="ko-KR">
+                <a:solidFill>
+                  <a:schemeClr val="bg1"/>
+                </a:solidFill>
+                <a:latin typeface="Pretendard Light" panose="02000403000000020004" pitchFamily="50" charset="-127"/>
+                <a:ea typeface="Pretendard Light" panose="02000403000000020004" pitchFamily="50" charset="-127"/>
+                <a:cs typeface="Pretendard Light" panose="02000403000000020004" pitchFamily="50" charset="-127"/>
+              </a:rPr>
+              <a:t>.</a:t>
+            </a:r>
+          </a:p>
+          <a:p>
+            <a:r>
+              <a:rPr lang="ko-KR" altLang="en-US">
+                <a:solidFill>
+                  <a:schemeClr val="bg1"/>
+                </a:solidFill>
+                <a:latin typeface="Pretendard Light" panose="02000403000000020004" pitchFamily="50" charset="-127"/>
+                <a:ea typeface="Pretendard Light" panose="02000403000000020004" pitchFamily="50" charset="-127"/>
+                <a:cs typeface="Pretendard Light" panose="02000403000000020004" pitchFamily="50" charset="-127"/>
+              </a:rPr>
+              <a:t>내일 또 뵙시다</a:t>
+            </a:r>
+            <a:r>
+              <a:rPr lang="en-US" altLang="ko-KR">
+                <a:solidFill>
+                  <a:schemeClr val="bg1"/>
+                </a:solidFill>
+                <a:latin typeface="Pretendard Light" panose="02000403000000020004" pitchFamily="50" charset="-127"/>
+                <a:ea typeface="Pretendard Light" panose="02000403000000020004" pitchFamily="50" charset="-127"/>
+                <a:cs typeface="Pretendard Light" panose="02000403000000020004" pitchFamily="50" charset="-127"/>
+              </a:rPr>
+              <a:t>.</a:t>
+            </a:r>
+          </a:p>
+        </p:txBody>
+      </p:sp>
+    </p:spTree>
+    <p:extLst>
+      <p:ext uri="{BB962C8B-B14F-4D97-AF65-F5344CB8AC3E}">
+        <p14:creationId xmlns:p14="http://schemas.microsoft.com/office/powerpoint/2010/main" val="2556012836"/>
       </p:ext>
     </p:extLst>
   </p:cSld>
